--- a/simd/fig/what_is_simd.pptx
+++ b/simd/fig/what_is_simd.pptx
@@ -5,11 +5,18 @@
     <p:sldMasterId id="2147483663" r:id="rId1"/>
   </p:sldMasterIdLst>
   <p:notesMasterIdLst>
-    <p:notesMasterId r:id="rId4"/>
+    <p:notesMasterId r:id="rId11"/>
   </p:notesMasterIdLst>
   <p:sldIdLst>
     <p:sldId id="256" r:id="rId2"/>
     <p:sldId id="323" r:id="rId3"/>
+    <p:sldId id="324" r:id="rId4"/>
+    <p:sldId id="325" r:id="rId5"/>
+    <p:sldId id="326" r:id="rId6"/>
+    <p:sldId id="327" r:id="rId7"/>
+    <p:sldId id="328" r:id="rId8"/>
+    <p:sldId id="329" r:id="rId9"/>
+    <p:sldId id="330" r:id="rId10"/>
   </p:sldIdLst>
   <p:sldSz cx="9144000" cy="6858000" type="screen4x3"/>
   <p:notesSz cx="6858000" cy="9144000"/>
@@ -208,7 +215,7 @@
           </a:lstStyle>
           <a:p>
             <a:fld id="{6B8D1B20-A248-FB47-8240-73C0C5F47C9D}" type="datetimeFigureOut">
-              <a:t>2020/4/26</a:t>
+              <a:t>2020/4/27</a:t>
             </a:fld>
             <a:endParaRPr kumimoji="1" lang="ja-JP" altLang="en-US"/>
           </a:p>
@@ -479,6 +486,174 @@
     </a:lvl9pPr>
   </p:notesStyle>
 </p:notesMaster>
+</file>
+
+<file path=ppt/notesSlides/notesSlide1.xml><?xml version="1.0" encoding="utf-8"?>
+<p:notes xmlns:a="http://schemas.openxmlformats.org/drawingml/2006/main" xmlns:r="http://schemas.openxmlformats.org/officeDocument/2006/relationships" xmlns:p="http://schemas.openxmlformats.org/presentationml/2006/main">
+  <p:cSld>
+    <p:spTree>
+      <p:nvGrpSpPr>
+        <p:cNvPr id="1" name=""/>
+        <p:cNvGrpSpPr/>
+        <p:nvPr/>
+      </p:nvGrpSpPr>
+      <p:grpSpPr>
+        <a:xfrm>
+          <a:off x="0" y="0"/>
+          <a:ext cx="0" cy="0"/>
+          <a:chOff x="0" y="0"/>
+          <a:chExt cx="0" cy="0"/>
+        </a:xfrm>
+      </p:grpSpPr>
+      <p:sp>
+        <p:nvSpPr>
+          <p:cNvPr id="2" name="スライド イメージ プレースホルダー 1"/>
+          <p:cNvSpPr>
+            <a:spLocks noGrp="1" noRot="1" noChangeAspect="1"/>
+          </p:cNvSpPr>
+          <p:nvPr>
+            <p:ph type="sldImg"/>
+          </p:nvPr>
+        </p:nvSpPr>
+        <p:spPr/>
+      </p:sp>
+      <p:sp>
+        <p:nvSpPr>
+          <p:cNvPr id="3" name="ノート プレースホルダー 2"/>
+          <p:cNvSpPr>
+            <a:spLocks noGrp="1"/>
+          </p:cNvSpPr>
+          <p:nvPr>
+            <p:ph type="body" idx="1"/>
+          </p:nvPr>
+        </p:nvSpPr>
+        <p:spPr/>
+        <p:txBody>
+          <a:bodyPr/>
+          <a:lstStyle/>
+          <a:p>
+            <a:endParaRPr kumimoji="1" lang="ja-JP" altLang="en-US" dirty="0"/>
+          </a:p>
+        </p:txBody>
+      </p:sp>
+      <p:sp>
+        <p:nvSpPr>
+          <p:cNvPr id="4" name="スライド番号プレースホルダー 3"/>
+          <p:cNvSpPr>
+            <a:spLocks noGrp="1"/>
+          </p:cNvSpPr>
+          <p:nvPr>
+            <p:ph type="sldNum" sz="quarter" idx="10"/>
+          </p:nvPr>
+        </p:nvSpPr>
+        <p:spPr/>
+        <p:txBody>
+          <a:bodyPr/>
+          <a:lstStyle/>
+          <a:p>
+            <a:fld id="{3DFA746F-AF1F-C048-A2ED-B38EF01E9631}" type="slidenum">
+              <a:rPr lang="en-US" altLang="ja-JP" smtClean="0"/>
+              <a:t>6</a:t>
+            </a:fld>
+            <a:endParaRPr kumimoji="1" lang="ja-JP" altLang="en-US"/>
+          </a:p>
+        </p:txBody>
+      </p:sp>
+    </p:spTree>
+    <p:extLst>
+      <p:ext uri="{BB962C8B-B14F-4D97-AF65-F5344CB8AC3E}">
+        <p14:creationId xmlns:p14="http://schemas.microsoft.com/office/powerpoint/2010/main" val="2441871298"/>
+      </p:ext>
+    </p:extLst>
+  </p:cSld>
+  <p:clrMapOvr>
+    <a:masterClrMapping/>
+  </p:clrMapOvr>
+</p:notes>
+</file>
+
+<file path=ppt/notesSlides/notesSlide2.xml><?xml version="1.0" encoding="utf-8"?>
+<p:notes xmlns:a="http://schemas.openxmlformats.org/drawingml/2006/main" xmlns:r="http://schemas.openxmlformats.org/officeDocument/2006/relationships" xmlns:p="http://schemas.openxmlformats.org/presentationml/2006/main">
+  <p:cSld>
+    <p:spTree>
+      <p:nvGrpSpPr>
+        <p:cNvPr id="1" name=""/>
+        <p:cNvGrpSpPr/>
+        <p:nvPr/>
+      </p:nvGrpSpPr>
+      <p:grpSpPr>
+        <a:xfrm>
+          <a:off x="0" y="0"/>
+          <a:ext cx="0" cy="0"/>
+          <a:chOff x="0" y="0"/>
+          <a:chExt cx="0" cy="0"/>
+        </a:xfrm>
+      </p:grpSpPr>
+      <p:sp>
+        <p:nvSpPr>
+          <p:cNvPr id="2" name="スライド イメージ プレースホルダー 1"/>
+          <p:cNvSpPr>
+            <a:spLocks noGrp="1" noRot="1" noChangeAspect="1"/>
+          </p:cNvSpPr>
+          <p:nvPr>
+            <p:ph type="sldImg"/>
+          </p:nvPr>
+        </p:nvSpPr>
+        <p:spPr/>
+      </p:sp>
+      <p:sp>
+        <p:nvSpPr>
+          <p:cNvPr id="3" name="ノート プレースホルダー 2"/>
+          <p:cNvSpPr>
+            <a:spLocks noGrp="1"/>
+          </p:cNvSpPr>
+          <p:nvPr>
+            <p:ph type="body" idx="1"/>
+          </p:nvPr>
+        </p:nvSpPr>
+        <p:spPr/>
+        <p:txBody>
+          <a:bodyPr/>
+          <a:lstStyle/>
+          <a:p>
+            <a:endParaRPr kumimoji="1" lang="ja-JP" altLang="en-US" dirty="0"/>
+          </a:p>
+        </p:txBody>
+      </p:sp>
+      <p:sp>
+        <p:nvSpPr>
+          <p:cNvPr id="4" name="スライド番号プレースホルダー 3"/>
+          <p:cNvSpPr>
+            <a:spLocks noGrp="1"/>
+          </p:cNvSpPr>
+          <p:nvPr>
+            <p:ph type="sldNum" sz="quarter" idx="10"/>
+          </p:nvPr>
+        </p:nvSpPr>
+        <p:spPr/>
+        <p:txBody>
+          <a:bodyPr/>
+          <a:lstStyle/>
+          <a:p>
+            <a:fld id="{3DFA746F-AF1F-C048-A2ED-B38EF01E9631}" type="slidenum">
+              <a:rPr lang="en-US" altLang="ja-JP" smtClean="0"/>
+              <a:t>7</a:t>
+            </a:fld>
+            <a:endParaRPr kumimoji="1" lang="ja-JP" altLang="en-US"/>
+          </a:p>
+        </p:txBody>
+      </p:sp>
+    </p:spTree>
+    <p:extLst>
+      <p:ext uri="{BB962C8B-B14F-4D97-AF65-F5344CB8AC3E}">
+        <p14:creationId xmlns:p14="http://schemas.microsoft.com/office/powerpoint/2010/main" val="2775881246"/>
+      </p:ext>
+    </p:extLst>
+  </p:cSld>
+  <p:clrMapOvr>
+    <a:masterClrMapping/>
+  </p:clrMapOvr>
+</p:notes>
 </file>
 
 <file path=ppt/slideLayouts/slideLayout1.xml><?xml version="1.0" encoding="utf-8"?>
@@ -1268,11 +1443,7 @@
             </a:r>
             <a:r>
               <a:rPr kumimoji="1" lang="ja-JP" altLang="en-US" dirty="0" smtClean="0"/>
-              <a:t>と</a:t>
-            </a:r>
-            <a:r>
-              <a:rPr kumimoji="1" lang="ja-JP" altLang="en-US" dirty="0" smtClean="0"/>
-              <a:t>は何か</a:t>
+              <a:t>とは何か</a:t>
             </a:r>
             <a:endParaRPr kumimoji="1" lang="ja-JP" altLang="en-US" dirty="0"/>
           </a:p>
@@ -1364,8 +1535,8 @@
         </p:nvSpPr>
         <p:spPr>
           <a:xfrm>
-            <a:off x="395536" y="2132856"/>
-            <a:ext cx="7981672" cy="584775"/>
+            <a:off x="323528" y="2060848"/>
+            <a:ext cx="8658139" cy="584775"/>
           </a:xfrm>
           <a:prstGeom prst="rect">
             <a:avLst/>
@@ -1381,6 +1552,105 @@
             <a:r>
               <a:rPr lang="ja-JP" altLang="en-US" sz="3200" dirty="0" smtClean="0"/>
               <a:t>直訳すると「一つの命令、複数のデータ」</a:t>
+            </a:r>
+            <a:r>
+              <a:rPr lang="en-US" altLang="ja-JP" sz="3200" dirty="0" smtClean="0"/>
+              <a:t>(※)</a:t>
+            </a:r>
+            <a:endParaRPr kumimoji="1" lang="ja-JP" altLang="en-US" sz="3200" dirty="0"/>
+          </a:p>
+        </p:txBody>
+      </p:sp>
+      <p:sp>
+        <p:nvSpPr>
+          <p:cNvPr id="4" name="テキスト ボックス 3"/>
+          <p:cNvSpPr txBox="1"/>
+          <p:nvPr/>
+        </p:nvSpPr>
+        <p:spPr>
+          <a:xfrm>
+            <a:off x="1691680" y="6309320"/>
+            <a:ext cx="6787436" cy="369332"/>
+          </a:xfrm>
+          <a:prstGeom prst="rect">
+            <a:avLst/>
+          </a:prstGeom>
+          <a:noFill/>
+        </p:spPr>
+        <p:txBody>
+          <a:bodyPr wrap="none" rtlCol="0">
+            <a:spAutoFit/>
+          </a:bodyPr>
+          <a:lstStyle/>
+          <a:p>
+            <a:r>
+              <a:rPr lang="en-US" altLang="ja-JP" dirty="0" smtClean="0"/>
+              <a:t>※</a:t>
+            </a:r>
+            <a:r>
+              <a:rPr lang="ja-JP" altLang="en-US" dirty="0" smtClean="0"/>
+              <a:t>フリンの分類</a:t>
+            </a:r>
+            <a:r>
+              <a:rPr lang="en-US" altLang="ja-JP" dirty="0"/>
+              <a:t>(</a:t>
+            </a:r>
+            <a:r>
+              <a:rPr lang="en-US" altLang="ja-JP" dirty="0" smtClean="0"/>
+              <a:t>Flynn’s </a:t>
+            </a:r>
+            <a:r>
+              <a:rPr lang="en-US" altLang="ja-JP" dirty="0"/>
+              <a:t>taxonomy</a:t>
+            </a:r>
+            <a:r>
+              <a:rPr lang="en-US" altLang="ja-JP" dirty="0" smtClean="0"/>
+              <a:t>)</a:t>
+            </a:r>
+            <a:r>
+              <a:rPr lang="ja-JP" altLang="en-US" dirty="0" smtClean="0"/>
+              <a:t>の一つだが、気にしなくて良い</a:t>
+            </a:r>
+            <a:endParaRPr kumimoji="1" lang="ja-JP" altLang="en-US" dirty="0"/>
+          </a:p>
+        </p:txBody>
+      </p:sp>
+      <p:sp>
+        <p:nvSpPr>
+          <p:cNvPr id="6" name="テキスト ボックス 5"/>
+          <p:cNvSpPr txBox="1"/>
+          <p:nvPr/>
+        </p:nvSpPr>
+        <p:spPr>
+          <a:xfrm>
+            <a:off x="1619672" y="3356992"/>
+            <a:ext cx="5904656" cy="1077218"/>
+          </a:xfrm>
+          <a:prstGeom prst="rect">
+            <a:avLst/>
+          </a:prstGeom>
+          <a:noFill/>
+        </p:spPr>
+        <p:txBody>
+          <a:bodyPr wrap="square" rtlCol="0">
+            <a:spAutoFit/>
+          </a:bodyPr>
+          <a:lstStyle/>
+          <a:p>
+            <a:r>
+              <a:rPr kumimoji="1" lang="en-US" altLang="ja-JP" sz="3200" dirty="0" smtClean="0"/>
+              <a:t>1</a:t>
+            </a:r>
+            <a:r>
+              <a:rPr kumimoji="1" lang="ja-JP" altLang="en-US" sz="3200" dirty="0" smtClean="0"/>
+              <a:t>サイクルで複数の計算を</a:t>
+            </a:r>
+            <a:endParaRPr kumimoji="1" lang="en-US" altLang="ja-JP" sz="3200" dirty="0" smtClean="0"/>
+          </a:p>
+          <a:p>
+            <a:r>
+              <a:rPr kumimoji="1" lang="ja-JP" altLang="en-US" sz="3200" dirty="0" smtClean="0"/>
+              <a:t>同時に行うための工夫の一つ</a:t>
             </a:r>
             <a:endParaRPr kumimoji="1" lang="ja-JP" altLang="en-US" sz="3200" dirty="0"/>
           </a:p>
@@ -1403,6 +1673,4031 @@
       </p:par>
     </p:tnLst>
   </p:timing>
+</p:sld>
+</file>
+
+<file path=ppt/slides/slide3.xml><?xml version="1.0" encoding="utf-8"?>
+<p:sld xmlns:a="http://schemas.openxmlformats.org/drawingml/2006/main" xmlns:r="http://schemas.openxmlformats.org/officeDocument/2006/relationships" xmlns:p="http://schemas.openxmlformats.org/presentationml/2006/main">
+  <p:cSld>
+    <p:spTree>
+      <p:nvGrpSpPr>
+        <p:cNvPr id="1" name=""/>
+        <p:cNvGrpSpPr/>
+        <p:nvPr/>
+      </p:nvGrpSpPr>
+      <p:grpSpPr>
+        <a:xfrm>
+          <a:off x="0" y="0"/>
+          <a:ext cx="0" cy="0"/>
+          <a:chOff x="0" y="0"/>
+          <a:chExt cx="0" cy="0"/>
+        </a:xfrm>
+      </p:grpSpPr>
+      <p:sp>
+        <p:nvSpPr>
+          <p:cNvPr id="2" name="テキスト プレースホルダー 1"/>
+          <p:cNvSpPr>
+            <a:spLocks noGrp="1"/>
+          </p:cNvSpPr>
+          <p:nvPr>
+            <p:ph type="body" sz="quarter" idx="10"/>
+          </p:nvPr>
+        </p:nvSpPr>
+        <p:spPr/>
+        <p:txBody>
+          <a:bodyPr/>
+          <a:lstStyle/>
+          <a:p>
+            <a:r>
+              <a:rPr lang="en-US" altLang="ja-JP" dirty="0" smtClean="0"/>
+              <a:t>SIMD</a:t>
+            </a:r>
+            <a:r>
+              <a:rPr lang="ja-JP" altLang="en-US" dirty="0" smtClean="0"/>
+              <a:t>とは何か</a:t>
+            </a:r>
+            <a:endParaRPr lang="ja-JP" altLang="en-US" dirty="0"/>
+          </a:p>
+        </p:txBody>
+      </p:sp>
+      <p:sp>
+        <p:nvSpPr>
+          <p:cNvPr id="3" name="テキスト ボックス 2"/>
+          <p:cNvSpPr txBox="1"/>
+          <p:nvPr/>
+        </p:nvSpPr>
+        <p:spPr>
+          <a:xfrm>
+            <a:off x="467544" y="1556792"/>
+            <a:ext cx="8238153" cy="461665"/>
+          </a:xfrm>
+          <a:prstGeom prst="rect">
+            <a:avLst/>
+          </a:prstGeom>
+          <a:noFill/>
+        </p:spPr>
+        <p:txBody>
+          <a:bodyPr wrap="none" rtlCol="0">
+            <a:spAutoFit/>
+          </a:bodyPr>
+          <a:lstStyle/>
+          <a:p>
+            <a:r>
+              <a:rPr kumimoji="1" lang="ja-JP" altLang="en-US" sz="2400" dirty="0" smtClean="0"/>
+              <a:t>科学計算に使われる汎用</a:t>
+            </a:r>
+            <a:r>
+              <a:rPr kumimoji="1" lang="en-US" altLang="ja-JP" sz="2400" dirty="0" smtClean="0"/>
+              <a:t>CPU</a:t>
+            </a:r>
+            <a:r>
+              <a:rPr kumimoji="1" lang="ja-JP" altLang="en-US" sz="2400" dirty="0" smtClean="0"/>
+              <a:t>は、ほぼ</a:t>
+            </a:r>
+            <a:r>
+              <a:rPr kumimoji="1" lang="en-US" altLang="ja-JP" sz="2400" dirty="0" smtClean="0"/>
+              <a:t>SIMD</a:t>
+            </a:r>
+            <a:r>
+              <a:rPr kumimoji="1" lang="ja-JP" altLang="en-US" sz="2400" dirty="0" smtClean="0"/>
+              <a:t>を採用している</a:t>
+            </a:r>
+            <a:endParaRPr kumimoji="1" lang="ja-JP" altLang="en-US" sz="2400" dirty="0"/>
+          </a:p>
+        </p:txBody>
+      </p:sp>
+      <p:sp>
+        <p:nvSpPr>
+          <p:cNvPr id="5" name="テキスト ボックス 4"/>
+          <p:cNvSpPr txBox="1"/>
+          <p:nvPr/>
+        </p:nvSpPr>
+        <p:spPr>
+          <a:xfrm>
+            <a:off x="1403648" y="3284984"/>
+            <a:ext cx="5835252" cy="1754326"/>
+          </a:xfrm>
+          <a:prstGeom prst="rect">
+            <a:avLst/>
+          </a:prstGeom>
+          <a:noFill/>
+        </p:spPr>
+        <p:txBody>
+          <a:bodyPr wrap="none" rtlCol="0">
+            <a:spAutoFit/>
+          </a:bodyPr>
+          <a:lstStyle/>
+          <a:p>
+            <a:r>
+              <a:rPr kumimoji="1" lang="ja-JP" altLang="en-US" sz="3600" dirty="0" smtClean="0"/>
+              <a:t>なぜ</a:t>
+            </a:r>
+            <a:r>
+              <a:rPr kumimoji="1" lang="en-US" altLang="ja-JP" sz="3600" dirty="0" smtClean="0"/>
+              <a:t>SIMD</a:t>
+            </a:r>
+            <a:r>
+              <a:rPr kumimoji="1" lang="ja-JP" altLang="en-US" sz="3600" dirty="0" smtClean="0"/>
+              <a:t>が必要か？</a:t>
+            </a:r>
+            <a:endParaRPr kumimoji="1" lang="en-US" altLang="ja-JP" sz="3600" dirty="0" smtClean="0"/>
+          </a:p>
+          <a:p>
+            <a:r>
+              <a:rPr lang="en-US" altLang="ja-JP" sz="3600" dirty="0" smtClean="0"/>
+              <a:t>SIMD</a:t>
+            </a:r>
+            <a:r>
+              <a:rPr lang="ja-JP" altLang="en-US" sz="3600" dirty="0" smtClean="0">
+                <a:solidFill>
+                  <a:srgbClr val="FF0000"/>
+                </a:solidFill>
+              </a:rPr>
+              <a:t>化</a:t>
+            </a:r>
+            <a:r>
+              <a:rPr lang="ja-JP" altLang="en-US" sz="3600" dirty="0" smtClean="0"/>
+              <a:t>とは何か？</a:t>
+            </a:r>
+            <a:endParaRPr lang="en-US" altLang="ja-JP" sz="3600" dirty="0" smtClean="0"/>
+          </a:p>
+          <a:p>
+            <a:r>
+              <a:rPr kumimoji="1" lang="ja-JP" altLang="en-US" sz="3600" dirty="0" smtClean="0"/>
+              <a:t>どうやって</a:t>
+            </a:r>
+            <a:r>
+              <a:rPr kumimoji="1" lang="en-US" altLang="ja-JP" sz="3600" dirty="0" smtClean="0"/>
+              <a:t>SIMD</a:t>
+            </a:r>
+            <a:r>
+              <a:rPr kumimoji="1" lang="ja-JP" altLang="en-US" sz="3600" dirty="0" smtClean="0"/>
+              <a:t>化するか？</a:t>
+            </a:r>
+            <a:endParaRPr kumimoji="1" lang="en-US" altLang="ja-JP" sz="3600" dirty="0" smtClean="0"/>
+          </a:p>
+        </p:txBody>
+      </p:sp>
+    </p:spTree>
+    <p:extLst>
+      <p:ext uri="{BB962C8B-B14F-4D97-AF65-F5344CB8AC3E}">
+        <p14:creationId xmlns:p14="http://schemas.microsoft.com/office/powerpoint/2010/main" val="1212608090"/>
+      </p:ext>
+    </p:extLst>
+  </p:cSld>
+  <p:clrMapOvr>
+    <a:masterClrMapping/>
+  </p:clrMapOvr>
+</p:sld>
+</file>
+
+<file path=ppt/slides/slide4.xml><?xml version="1.0" encoding="utf-8"?>
+<p:sld xmlns:a="http://schemas.openxmlformats.org/drawingml/2006/main" xmlns:r="http://schemas.openxmlformats.org/officeDocument/2006/relationships" xmlns:p="http://schemas.openxmlformats.org/presentationml/2006/main">
+  <p:cSld>
+    <p:spTree>
+      <p:nvGrpSpPr>
+        <p:cNvPr id="1" name=""/>
+        <p:cNvGrpSpPr/>
+        <p:nvPr/>
+      </p:nvGrpSpPr>
+      <p:grpSpPr>
+        <a:xfrm>
+          <a:off x="0" y="0"/>
+          <a:ext cx="0" cy="0"/>
+          <a:chOff x="0" y="0"/>
+          <a:chExt cx="0" cy="0"/>
+        </a:xfrm>
+      </p:grpSpPr>
+      <p:sp>
+        <p:nvSpPr>
+          <p:cNvPr id="2" name="テキスト プレースホルダー 1"/>
+          <p:cNvSpPr>
+            <a:spLocks noGrp="1"/>
+          </p:cNvSpPr>
+          <p:nvPr>
+            <p:ph type="body" sz="quarter" idx="10"/>
+          </p:nvPr>
+        </p:nvSpPr>
+        <p:spPr/>
+        <p:txBody>
+          <a:bodyPr/>
+          <a:lstStyle/>
+          <a:p>
+            <a:r>
+              <a:rPr kumimoji="1" lang="ja-JP" altLang="en-US" dirty="0" smtClean="0"/>
+              <a:t>計算機の仕組み</a:t>
+            </a:r>
+            <a:endParaRPr kumimoji="1" lang="ja-JP" altLang="en-US" dirty="0"/>
+          </a:p>
+        </p:txBody>
+      </p:sp>
+      <p:sp>
+        <p:nvSpPr>
+          <p:cNvPr id="3" name="テキスト ボックス 2">
+            <a:extLst>
+              <a:ext uri="{FF2B5EF4-FFF2-40B4-BE49-F238E27FC236}">
+                <a16:creationId xmlns:a16="http://schemas.microsoft.com/office/drawing/2014/main" id="{CF16BDB4-983D-6947-A428-17894305E5DA}"/>
+              </a:ext>
+            </a:extLst>
+          </p:cNvPr>
+          <p:cNvSpPr txBox="1"/>
+          <p:nvPr/>
+        </p:nvSpPr>
+        <p:spPr bwMode="auto">
+          <a:xfrm>
+            <a:off x="1259632" y="1539949"/>
+            <a:ext cx="6912768" cy="1384995"/>
+          </a:xfrm>
+          <a:prstGeom prst="rect">
+            <a:avLst/>
+          </a:prstGeom>
+          <a:noFill/>
+          <a:ln w="9525">
+            <a:noFill/>
+            <a:miter lim="800000"/>
+            <a:headEnd/>
+            <a:tailEnd/>
+          </a:ln>
+        </p:spPr>
+        <p:txBody>
+          <a:bodyPr wrap="square" rtlCol="0">
+            <a:spAutoFit/>
+          </a:bodyPr>
+          <a:lstStyle/>
+          <a:p>
+            <a:r>
+              <a:rPr kumimoji="1" lang="ja-JP" altLang="en-US" sz="2800" dirty="0">
+                <a:solidFill>
+                  <a:srgbClr val="011893"/>
+                </a:solidFill>
+              </a:rPr>
+              <a:t>メモリ</a:t>
+            </a:r>
+            <a:r>
+              <a:rPr kumimoji="1" lang="ja-JP" altLang="en-US" sz="2800" dirty="0"/>
+              <a:t>から</a:t>
+            </a:r>
+            <a:r>
+              <a:rPr kumimoji="1" lang="ja-JP" altLang="en-US" sz="2800" dirty="0">
+                <a:solidFill>
+                  <a:srgbClr val="011893"/>
+                </a:solidFill>
+              </a:rPr>
+              <a:t>データ</a:t>
+            </a:r>
+            <a:r>
+              <a:rPr kumimoji="1" lang="ja-JP" altLang="en-US" sz="2800" dirty="0"/>
+              <a:t>と</a:t>
+            </a:r>
+            <a:r>
+              <a:rPr kumimoji="1" lang="ja-JP" altLang="en-US" sz="2800" dirty="0">
+                <a:solidFill>
+                  <a:srgbClr val="011893"/>
+                </a:solidFill>
+              </a:rPr>
+              <a:t>命令</a:t>
+            </a:r>
+            <a:r>
+              <a:rPr kumimoji="1" lang="ja-JP" altLang="en-US" sz="2800" dirty="0"/>
+              <a:t>を取ってきて</a:t>
+            </a:r>
+            <a:endParaRPr kumimoji="1" lang="en-US" altLang="ja-JP" sz="2800" dirty="0"/>
+          </a:p>
+          <a:p>
+            <a:r>
+              <a:rPr lang="ja-JP" altLang="en-US" sz="2800" dirty="0">
+                <a:solidFill>
+                  <a:srgbClr val="011893"/>
+                </a:solidFill>
+              </a:rPr>
+              <a:t>演算機</a:t>
+            </a:r>
+            <a:r>
+              <a:rPr lang="ja-JP" altLang="en-US" sz="2800" dirty="0"/>
+              <a:t>に投げ</a:t>
+            </a:r>
+            <a:endParaRPr lang="en-US" altLang="ja-JP" sz="2800" dirty="0"/>
+          </a:p>
+          <a:p>
+            <a:r>
+              <a:rPr kumimoji="1" lang="ja-JP" altLang="en-US" sz="2800" dirty="0"/>
+              <a:t>演算結果を</a:t>
+            </a:r>
+            <a:r>
+              <a:rPr kumimoji="1" lang="ja-JP" altLang="en-US" sz="2800" dirty="0">
+                <a:solidFill>
+                  <a:srgbClr val="011893"/>
+                </a:solidFill>
+              </a:rPr>
+              <a:t>メモリ</a:t>
+            </a:r>
+            <a:r>
+              <a:rPr kumimoji="1" lang="ja-JP" altLang="en-US" sz="2800" dirty="0"/>
+              <a:t>に書き戻す</a:t>
+            </a:r>
+          </a:p>
+        </p:txBody>
+      </p:sp>
+      <p:sp>
+        <p:nvSpPr>
+          <p:cNvPr id="4" name="テキスト ボックス 3">
+            <a:extLst>
+              <a:ext uri="{FF2B5EF4-FFF2-40B4-BE49-F238E27FC236}">
+                <a16:creationId xmlns:a16="http://schemas.microsoft.com/office/drawing/2014/main" id="{42C6CDE1-88CC-4E4E-9CA3-F576F7D004C0}"/>
+              </a:ext>
+            </a:extLst>
+          </p:cNvPr>
+          <p:cNvSpPr txBox="1"/>
+          <p:nvPr/>
+        </p:nvSpPr>
+        <p:spPr bwMode="auto">
+          <a:xfrm>
+            <a:off x="251520" y="908720"/>
+            <a:ext cx="2024913" cy="584775"/>
+          </a:xfrm>
+          <a:prstGeom prst="rect">
+            <a:avLst/>
+          </a:prstGeom>
+          <a:noFill/>
+          <a:ln w="9525">
+            <a:noFill/>
+            <a:miter lim="800000"/>
+            <a:headEnd/>
+            <a:tailEnd/>
+          </a:ln>
+        </p:spPr>
+        <p:txBody>
+          <a:bodyPr wrap="none" rtlCol="0">
+            <a:spAutoFit/>
+          </a:bodyPr>
+          <a:lstStyle/>
+          <a:p>
+            <a:r>
+              <a:rPr kumimoji="1" lang="ja-JP" altLang="en-US" sz="3200" dirty="0"/>
+              <a:t>計算機とは</a:t>
+            </a:r>
+          </a:p>
+        </p:txBody>
+      </p:sp>
+      <p:sp>
+        <p:nvSpPr>
+          <p:cNvPr id="5" name="テキスト ボックス 4">
+            <a:extLst>
+              <a:ext uri="{FF2B5EF4-FFF2-40B4-BE49-F238E27FC236}">
+                <a16:creationId xmlns:a16="http://schemas.microsoft.com/office/drawing/2014/main" id="{FDDC6CB9-213B-2F4C-822A-26421AD336B7}"/>
+              </a:ext>
+            </a:extLst>
+          </p:cNvPr>
+          <p:cNvSpPr txBox="1"/>
+          <p:nvPr/>
+        </p:nvSpPr>
+        <p:spPr bwMode="auto">
+          <a:xfrm>
+            <a:off x="6732240" y="2852936"/>
+            <a:ext cx="2236510" cy="584775"/>
+          </a:xfrm>
+          <a:prstGeom prst="rect">
+            <a:avLst/>
+          </a:prstGeom>
+          <a:noFill/>
+          <a:ln w="9525">
+            <a:noFill/>
+            <a:miter lim="800000"/>
+            <a:headEnd/>
+            <a:tailEnd/>
+          </a:ln>
+        </p:spPr>
+        <p:txBody>
+          <a:bodyPr wrap="none" rtlCol="0">
+            <a:spAutoFit/>
+          </a:bodyPr>
+          <a:lstStyle/>
+          <a:p>
+            <a:r>
+              <a:rPr kumimoji="1" lang="ja-JP" altLang="en-US" sz="3200" dirty="0" smtClean="0"/>
+              <a:t>装置のこと</a:t>
+            </a:r>
+            <a:endParaRPr kumimoji="1" lang="ja-JP" altLang="en-US" sz="3200" dirty="0"/>
+          </a:p>
+        </p:txBody>
+      </p:sp>
+      <p:pic>
+        <p:nvPicPr>
+          <p:cNvPr id="6" name="Picture 2" descr="ä¼ç¤¾ã®å»ºç©ã®ã¢ã¤ã³ã³ï¼å·¥å ´ï¼">
+            <a:extLst>
+              <a:ext uri="{FF2B5EF4-FFF2-40B4-BE49-F238E27FC236}">
+                <a16:creationId xmlns:a16="http://schemas.microsoft.com/office/drawing/2014/main" id="{393131F0-FC72-EF4D-9793-C7ECEB85538F}"/>
+              </a:ext>
+            </a:extLst>
+          </p:cNvPr>
+          <p:cNvPicPr>
+            <a:picLocks noChangeAspect="1" noChangeArrowheads="1"/>
+          </p:cNvPicPr>
+          <p:nvPr/>
+        </p:nvPicPr>
+        <p:blipFill>
+          <a:blip r:embed="rId2" cstate="print">
+            <a:extLst>
+              <a:ext uri="{28A0092B-C50C-407E-A947-70E740481C1C}">
+                <a14:useLocalDpi xmlns:a14="http://schemas.microsoft.com/office/drawing/2010/main" val="0"/>
+              </a:ext>
+            </a:extLst>
+          </a:blip>
+          <a:srcRect/>
+          <a:stretch>
+            <a:fillRect/>
+          </a:stretch>
+        </p:blipFill>
+        <p:spPr bwMode="auto">
+          <a:xfrm>
+            <a:off x="251520" y="5525463"/>
+            <a:ext cx="765429" cy="711849"/>
+          </a:xfrm>
+          <a:prstGeom prst="rect">
+            <a:avLst/>
+          </a:prstGeom>
+          <a:noFill/>
+          <a:extLst>
+            <a:ext uri="{909E8E84-426E-40DD-AFC4-6F175D3DCCD1}">
+              <a14:hiddenFill xmlns:a14="http://schemas.microsoft.com/office/drawing/2010/main">
+                <a:solidFill>
+                  <a:srgbClr val="FFFFFF"/>
+                </a:solidFill>
+              </a14:hiddenFill>
+            </a:ext>
+          </a:extLst>
+        </p:spPr>
+      </p:pic>
+      <p:pic>
+        <p:nvPicPr>
+          <p:cNvPr id="7" name="Picture 2" descr="ä¼ç¤¾ã®å»ºç©ã®ã¢ã¤ã³ã³ï¼å·¥å ´ï¼">
+            <a:extLst>
+              <a:ext uri="{FF2B5EF4-FFF2-40B4-BE49-F238E27FC236}">
+                <a16:creationId xmlns:a16="http://schemas.microsoft.com/office/drawing/2014/main" id="{F2CA7FE7-3E7E-184F-8DD8-C0D35E884AD1}"/>
+              </a:ext>
+            </a:extLst>
+          </p:cNvPr>
+          <p:cNvPicPr>
+            <a:picLocks noChangeAspect="1" noChangeArrowheads="1"/>
+          </p:cNvPicPr>
+          <p:nvPr/>
+        </p:nvPicPr>
+        <p:blipFill>
+          <a:blip r:embed="rId2" cstate="print">
+            <a:extLst>
+              <a:ext uri="{28A0092B-C50C-407E-A947-70E740481C1C}">
+                <a14:useLocalDpi xmlns:a14="http://schemas.microsoft.com/office/drawing/2010/main" val="0"/>
+              </a:ext>
+            </a:extLst>
+          </a:blip>
+          <a:srcRect/>
+          <a:stretch>
+            <a:fillRect/>
+          </a:stretch>
+        </p:blipFill>
+        <p:spPr bwMode="auto">
+          <a:xfrm>
+            <a:off x="1331640" y="5525463"/>
+            <a:ext cx="765429" cy="711849"/>
+          </a:xfrm>
+          <a:prstGeom prst="rect">
+            <a:avLst/>
+          </a:prstGeom>
+          <a:noFill/>
+          <a:extLst>
+            <a:ext uri="{909E8E84-426E-40DD-AFC4-6F175D3DCCD1}">
+              <a14:hiddenFill xmlns:a14="http://schemas.microsoft.com/office/drawing/2010/main">
+                <a:solidFill>
+                  <a:srgbClr val="FFFFFF"/>
+                </a:solidFill>
+              </a14:hiddenFill>
+            </a:ext>
+          </a:extLst>
+        </p:spPr>
+      </p:pic>
+      <p:pic>
+        <p:nvPicPr>
+          <p:cNvPr id="8" name="Picture 4" descr="CPUã®ã¤ã©ã¹ãï¼ã³ã³ãã¥ã¼ã¿ã¼ï¼">
+            <a:extLst>
+              <a:ext uri="{FF2B5EF4-FFF2-40B4-BE49-F238E27FC236}">
+                <a16:creationId xmlns:a16="http://schemas.microsoft.com/office/drawing/2014/main" id="{80D3F8F8-7617-C949-AB0D-1DD5380EA30C}"/>
+              </a:ext>
+            </a:extLst>
+          </p:cNvPr>
+          <p:cNvPicPr>
+            <a:picLocks noChangeAspect="1" noChangeArrowheads="1"/>
+          </p:cNvPicPr>
+          <p:nvPr/>
+        </p:nvPicPr>
+        <p:blipFill>
+          <a:blip r:embed="rId3" cstate="print">
+            <a:extLst>
+              <a:ext uri="{28A0092B-C50C-407E-A947-70E740481C1C}">
+                <a14:useLocalDpi xmlns:a14="http://schemas.microsoft.com/office/drawing/2010/main" val="0"/>
+              </a:ext>
+            </a:extLst>
+          </a:blip>
+          <a:srcRect/>
+          <a:stretch>
+            <a:fillRect/>
+          </a:stretch>
+        </p:blipFill>
+        <p:spPr bwMode="auto">
+          <a:xfrm>
+            <a:off x="683568" y="4445343"/>
+            <a:ext cx="1055530" cy="910395"/>
+          </a:xfrm>
+          <a:prstGeom prst="rect">
+            <a:avLst/>
+          </a:prstGeom>
+          <a:noFill/>
+          <a:extLst>
+            <a:ext uri="{909E8E84-426E-40DD-AFC4-6F175D3DCCD1}">
+              <a14:hiddenFill xmlns:a14="http://schemas.microsoft.com/office/drawing/2010/main">
+                <a:solidFill>
+                  <a:srgbClr val="FFFFFF"/>
+                </a:solidFill>
+              </a14:hiddenFill>
+            </a:ext>
+          </a:extLst>
+        </p:spPr>
+      </p:pic>
+      <p:pic>
+        <p:nvPicPr>
+          <p:cNvPr id="9" name="Picture 6" descr="ã¡ã¢ãªã¼ã®ã¤ã©ã¹ãï¼ã³ã³ãã¥ã¼ã¿ã¼ï¼">
+            <a:extLst>
+              <a:ext uri="{FF2B5EF4-FFF2-40B4-BE49-F238E27FC236}">
+                <a16:creationId xmlns:a16="http://schemas.microsoft.com/office/drawing/2014/main" id="{104D63E6-2577-8542-A658-11052C57896E}"/>
+              </a:ext>
+            </a:extLst>
+          </p:cNvPr>
+          <p:cNvPicPr>
+            <a:picLocks noChangeAspect="1" noChangeArrowheads="1"/>
+          </p:cNvPicPr>
+          <p:nvPr/>
+        </p:nvPicPr>
+        <p:blipFill>
+          <a:blip r:embed="rId4" cstate="print">
+            <a:extLst>
+              <a:ext uri="{28A0092B-C50C-407E-A947-70E740481C1C}">
+                <a14:useLocalDpi xmlns:a14="http://schemas.microsoft.com/office/drawing/2010/main" val="0"/>
+              </a:ext>
+            </a:extLst>
+          </a:blip>
+          <a:srcRect/>
+          <a:stretch>
+            <a:fillRect/>
+          </a:stretch>
+        </p:blipFill>
+        <p:spPr bwMode="auto">
+          <a:xfrm>
+            <a:off x="7380312" y="4488451"/>
+            <a:ext cx="933992" cy="948215"/>
+          </a:xfrm>
+          <a:prstGeom prst="rect">
+            <a:avLst/>
+          </a:prstGeom>
+          <a:noFill/>
+          <a:extLst>
+            <a:ext uri="{909E8E84-426E-40DD-AFC4-6F175D3DCCD1}">
+              <a14:hiddenFill xmlns:a14="http://schemas.microsoft.com/office/drawing/2010/main">
+                <a:solidFill>
+                  <a:srgbClr val="FFFFFF"/>
+                </a:solidFill>
+              </a14:hiddenFill>
+            </a:ext>
+          </a:extLst>
+        </p:spPr>
+      </p:pic>
+      <p:pic>
+        <p:nvPicPr>
+          <p:cNvPr id="10" name="図 9">
+            <a:extLst>
+              <a:ext uri="{FF2B5EF4-FFF2-40B4-BE49-F238E27FC236}">
+                <a16:creationId xmlns:a16="http://schemas.microsoft.com/office/drawing/2014/main" id="{D1549FAE-B5F4-7844-A840-A3FEC72A26C1}"/>
+              </a:ext>
+            </a:extLst>
+          </p:cNvPr>
+          <p:cNvPicPr>
+            <a:picLocks noChangeAspect="1"/>
+          </p:cNvPicPr>
+          <p:nvPr/>
+        </p:nvPicPr>
+        <p:blipFill>
+          <a:blip r:embed="rId5"/>
+          <a:stretch>
+            <a:fillRect/>
+          </a:stretch>
+        </p:blipFill>
+        <p:spPr>
+          <a:xfrm>
+            <a:off x="7164288" y="5424555"/>
+            <a:ext cx="1327459" cy="1028781"/>
+          </a:xfrm>
+          <a:prstGeom prst="rect">
+            <a:avLst/>
+          </a:prstGeom>
+        </p:spPr>
+      </p:pic>
+      <p:pic>
+        <p:nvPicPr>
+          <p:cNvPr id="12" name="図 11">
+            <a:extLst>
+              <a:ext uri="{FF2B5EF4-FFF2-40B4-BE49-F238E27FC236}">
+                <a16:creationId xmlns:a16="http://schemas.microsoft.com/office/drawing/2014/main" id="{A583D58C-7927-1948-B6A8-78AFEFF2FC21}"/>
+              </a:ext>
+            </a:extLst>
+          </p:cNvPr>
+          <p:cNvPicPr>
+            <a:picLocks noChangeAspect="1"/>
+          </p:cNvPicPr>
+          <p:nvPr/>
+        </p:nvPicPr>
+        <p:blipFill>
+          <a:blip r:embed="rId6"/>
+          <a:stretch>
+            <a:fillRect/>
+          </a:stretch>
+        </p:blipFill>
+        <p:spPr>
+          <a:xfrm>
+            <a:off x="2987824" y="4494520"/>
+            <a:ext cx="739140" cy="739140"/>
+          </a:xfrm>
+          <a:prstGeom prst="rect">
+            <a:avLst/>
+          </a:prstGeom>
+        </p:spPr>
+      </p:pic>
+      <p:sp>
+        <p:nvSpPr>
+          <p:cNvPr id="13" name="左矢印 12">
+            <a:extLst>
+              <a:ext uri="{FF2B5EF4-FFF2-40B4-BE49-F238E27FC236}">
+                <a16:creationId xmlns:a16="http://schemas.microsoft.com/office/drawing/2014/main" id="{10A4E3BA-8093-A042-8F99-743013DB7532}"/>
+              </a:ext>
+            </a:extLst>
+          </p:cNvPr>
+          <p:cNvSpPr/>
+          <p:nvPr/>
+        </p:nvSpPr>
+        <p:spPr>
+          <a:xfrm>
+            <a:off x="3813324" y="4667240"/>
+            <a:ext cx="538480" cy="345440"/>
+          </a:xfrm>
+          <a:prstGeom prst="leftArrow">
+            <a:avLst/>
+          </a:prstGeom>
+          <a:solidFill>
+            <a:srgbClr val="FF0000"/>
+          </a:solidFill>
+          <a:ln>
+            <a:solidFill>
+              <a:schemeClr val="tx1"/>
+            </a:solidFill>
+          </a:ln>
+          <a:effectLst/>
+        </p:spPr>
+        <p:style>
+          <a:lnRef idx="1">
+            <a:schemeClr val="accent1"/>
+          </a:lnRef>
+          <a:fillRef idx="3">
+            <a:schemeClr val="accent1"/>
+          </a:fillRef>
+          <a:effectRef idx="2">
+            <a:schemeClr val="accent1"/>
+          </a:effectRef>
+          <a:fontRef idx="minor">
+            <a:schemeClr val="lt1"/>
+          </a:fontRef>
+        </p:style>
+        <p:txBody>
+          <a:bodyPr rtlCol="0" anchor="ctr"/>
+          <a:lstStyle/>
+          <a:p>
+            <a:pPr algn="ctr"/>
+            <a:endParaRPr kumimoji="1" lang="ja-JP" altLang="en-US" dirty="0">
+              <a:solidFill>
+                <a:srgbClr val="000000"/>
+              </a:solidFill>
+            </a:endParaRPr>
+          </a:p>
+        </p:txBody>
+      </p:sp>
+      <p:sp>
+        <p:nvSpPr>
+          <p:cNvPr id="14" name="左矢印 13">
+            <a:extLst>
+              <a:ext uri="{FF2B5EF4-FFF2-40B4-BE49-F238E27FC236}">
+                <a16:creationId xmlns:a16="http://schemas.microsoft.com/office/drawing/2014/main" id="{83A70074-F6DC-F54D-A1B1-0FCC7D03A02A}"/>
+              </a:ext>
+            </a:extLst>
+          </p:cNvPr>
+          <p:cNvSpPr/>
+          <p:nvPr/>
+        </p:nvSpPr>
+        <p:spPr>
+          <a:xfrm rot="10800000">
+            <a:off x="4565164" y="5612120"/>
+            <a:ext cx="538480" cy="345440"/>
+          </a:xfrm>
+          <a:prstGeom prst="leftArrow">
+            <a:avLst/>
+          </a:prstGeom>
+          <a:solidFill>
+            <a:srgbClr val="FF0000"/>
+          </a:solidFill>
+          <a:ln>
+            <a:solidFill>
+              <a:schemeClr val="tx1"/>
+            </a:solidFill>
+          </a:ln>
+          <a:effectLst/>
+        </p:spPr>
+        <p:style>
+          <a:lnRef idx="1">
+            <a:schemeClr val="accent1"/>
+          </a:lnRef>
+          <a:fillRef idx="3">
+            <a:schemeClr val="accent1"/>
+          </a:fillRef>
+          <a:effectRef idx="2">
+            <a:schemeClr val="accent1"/>
+          </a:effectRef>
+          <a:fontRef idx="minor">
+            <a:schemeClr val="lt1"/>
+          </a:fontRef>
+        </p:style>
+        <p:txBody>
+          <a:bodyPr rtlCol="0" anchor="ctr"/>
+          <a:lstStyle/>
+          <a:p>
+            <a:pPr algn="ctr"/>
+            <a:endParaRPr kumimoji="1" lang="ja-JP" altLang="en-US" dirty="0">
+              <a:solidFill>
+                <a:srgbClr val="000000"/>
+              </a:solidFill>
+            </a:endParaRPr>
+          </a:p>
+        </p:txBody>
+      </p:sp>
+      <p:pic>
+        <p:nvPicPr>
+          <p:cNvPr id="15" name="図 14">
+            <a:extLst>
+              <a:ext uri="{FF2B5EF4-FFF2-40B4-BE49-F238E27FC236}">
+                <a16:creationId xmlns:a16="http://schemas.microsoft.com/office/drawing/2014/main" id="{139C17C6-D371-6146-BEEE-3D853EC1862F}"/>
+              </a:ext>
+            </a:extLst>
+          </p:cNvPr>
+          <p:cNvPicPr>
+            <a:picLocks noChangeAspect="1"/>
+          </p:cNvPicPr>
+          <p:nvPr/>
+        </p:nvPicPr>
+        <p:blipFill>
+          <a:blip r:embed="rId6"/>
+          <a:stretch>
+            <a:fillRect/>
+          </a:stretch>
+        </p:blipFill>
+        <p:spPr>
+          <a:xfrm>
+            <a:off x="5273824" y="5398760"/>
+            <a:ext cx="739140" cy="739140"/>
+          </a:xfrm>
+          <a:prstGeom prst="rect">
+            <a:avLst/>
+          </a:prstGeom>
+        </p:spPr>
+      </p:pic>
+      <p:sp>
+        <p:nvSpPr>
+          <p:cNvPr id="16" name="テキスト ボックス 15">
+            <a:extLst>
+              <a:ext uri="{FF2B5EF4-FFF2-40B4-BE49-F238E27FC236}">
+                <a16:creationId xmlns:a16="http://schemas.microsoft.com/office/drawing/2014/main" id="{DDD21EE0-C9AE-BD4E-BB4B-77B9CE3F2481}"/>
+              </a:ext>
+            </a:extLst>
+          </p:cNvPr>
+          <p:cNvSpPr txBox="1"/>
+          <p:nvPr/>
+        </p:nvSpPr>
+        <p:spPr bwMode="auto">
+          <a:xfrm>
+            <a:off x="3020844" y="4149080"/>
+            <a:ext cx="806631" cy="400110"/>
+          </a:xfrm>
+          <a:prstGeom prst="rect">
+            <a:avLst/>
+          </a:prstGeom>
+          <a:noFill/>
+          <a:ln w="9525">
+            <a:noFill/>
+            <a:miter lim="800000"/>
+            <a:headEnd/>
+            <a:tailEnd/>
+          </a:ln>
+        </p:spPr>
+        <p:txBody>
+          <a:bodyPr wrap="none" rtlCol="0">
+            <a:spAutoFit/>
+          </a:bodyPr>
+          <a:lstStyle/>
+          <a:p>
+            <a:r>
+              <a:rPr kumimoji="1" lang="ja-JP" altLang="en-US" sz="2000" dirty="0"/>
+              <a:t>データ</a:t>
+            </a:r>
+          </a:p>
+        </p:txBody>
+      </p:sp>
+      <p:sp>
+        <p:nvSpPr>
+          <p:cNvPr id="17" name="テキスト ボックス 16">
+            <a:extLst>
+              <a:ext uri="{FF2B5EF4-FFF2-40B4-BE49-F238E27FC236}">
+                <a16:creationId xmlns:a16="http://schemas.microsoft.com/office/drawing/2014/main" id="{88437536-1408-3B40-A8FD-8945EBB962AA}"/>
+              </a:ext>
+            </a:extLst>
+          </p:cNvPr>
+          <p:cNvSpPr txBox="1"/>
+          <p:nvPr/>
+        </p:nvSpPr>
+        <p:spPr bwMode="auto">
+          <a:xfrm>
+            <a:off x="5042684" y="5012680"/>
+            <a:ext cx="1210588" cy="400110"/>
+          </a:xfrm>
+          <a:prstGeom prst="rect">
+            <a:avLst/>
+          </a:prstGeom>
+          <a:noFill/>
+          <a:ln w="9525">
+            <a:noFill/>
+            <a:miter lim="800000"/>
+            <a:headEnd/>
+            <a:tailEnd/>
+          </a:ln>
+        </p:spPr>
+        <p:txBody>
+          <a:bodyPr wrap="none" rtlCol="0">
+            <a:spAutoFit/>
+          </a:bodyPr>
+          <a:lstStyle/>
+          <a:p>
+            <a:r>
+              <a:rPr kumimoji="1" lang="ja-JP" altLang="en-US" sz="2000" dirty="0"/>
+              <a:t>演算結果</a:t>
+            </a:r>
+          </a:p>
+        </p:txBody>
+      </p:sp>
+      <p:pic>
+        <p:nvPicPr>
+          <p:cNvPr id="18" name="図 17">
+            <a:extLst>
+              <a:ext uri="{FF2B5EF4-FFF2-40B4-BE49-F238E27FC236}">
+                <a16:creationId xmlns:a16="http://schemas.microsoft.com/office/drawing/2014/main" id="{58198D72-8F80-BC41-A9F1-7E8938AB65BD}"/>
+              </a:ext>
+            </a:extLst>
+          </p:cNvPr>
+          <p:cNvPicPr>
+            <a:picLocks noChangeAspect="1"/>
+          </p:cNvPicPr>
+          <p:nvPr/>
+        </p:nvPicPr>
+        <p:blipFill>
+          <a:blip r:embed="rId7"/>
+          <a:stretch>
+            <a:fillRect/>
+          </a:stretch>
+        </p:blipFill>
+        <p:spPr>
+          <a:xfrm>
+            <a:off x="3925084" y="5043160"/>
+            <a:ext cx="823478" cy="646430"/>
+          </a:xfrm>
+          <a:prstGeom prst="rect">
+            <a:avLst/>
+          </a:prstGeom>
+        </p:spPr>
+      </p:pic>
+      <p:sp>
+        <p:nvSpPr>
+          <p:cNvPr id="20" name="テキスト ボックス 19">
+            <a:extLst>
+              <a:ext uri="{FF2B5EF4-FFF2-40B4-BE49-F238E27FC236}">
+                <a16:creationId xmlns:a16="http://schemas.microsoft.com/office/drawing/2014/main" id="{DDD21EE0-C9AE-BD4E-BB4B-77B9CE3F2481}"/>
+              </a:ext>
+            </a:extLst>
+          </p:cNvPr>
+          <p:cNvSpPr txBox="1"/>
+          <p:nvPr/>
+        </p:nvSpPr>
+        <p:spPr bwMode="auto">
+          <a:xfrm>
+            <a:off x="899592" y="3797271"/>
+            <a:ext cx="678391" cy="400110"/>
+          </a:xfrm>
+          <a:prstGeom prst="rect">
+            <a:avLst/>
+          </a:prstGeom>
+          <a:noFill/>
+          <a:ln w="9525">
+            <a:noFill/>
+            <a:miter lim="800000"/>
+            <a:headEnd/>
+            <a:tailEnd/>
+          </a:ln>
+        </p:spPr>
+        <p:txBody>
+          <a:bodyPr wrap="none" rtlCol="0">
+            <a:spAutoFit/>
+          </a:bodyPr>
+          <a:lstStyle/>
+          <a:p>
+            <a:r>
+              <a:rPr lang="en-US" altLang="ja-JP" sz="2000" dirty="0" smtClean="0"/>
+              <a:t>CP</a:t>
+            </a:r>
+            <a:r>
+              <a:rPr lang="en-US" altLang="ja-JP" sz="2000" dirty="0"/>
+              <a:t>U</a:t>
+            </a:r>
+            <a:endParaRPr kumimoji="1" lang="ja-JP" altLang="en-US" sz="2000" dirty="0"/>
+          </a:p>
+        </p:txBody>
+      </p:sp>
+      <p:sp>
+        <p:nvSpPr>
+          <p:cNvPr id="21" name="テキスト ボックス 20">
+            <a:extLst>
+              <a:ext uri="{FF2B5EF4-FFF2-40B4-BE49-F238E27FC236}">
+                <a16:creationId xmlns:a16="http://schemas.microsoft.com/office/drawing/2014/main" id="{DDD21EE0-C9AE-BD4E-BB4B-77B9CE3F2481}"/>
+              </a:ext>
+            </a:extLst>
+          </p:cNvPr>
+          <p:cNvSpPr txBox="1"/>
+          <p:nvPr/>
+        </p:nvSpPr>
+        <p:spPr bwMode="auto">
+          <a:xfrm>
+            <a:off x="7380312" y="3840379"/>
+            <a:ext cx="954107" cy="400110"/>
+          </a:xfrm>
+          <a:prstGeom prst="rect">
+            <a:avLst/>
+          </a:prstGeom>
+          <a:noFill/>
+          <a:ln w="9525">
+            <a:noFill/>
+            <a:miter lim="800000"/>
+            <a:headEnd/>
+            <a:tailEnd/>
+          </a:ln>
+        </p:spPr>
+        <p:txBody>
+          <a:bodyPr wrap="none" rtlCol="0">
+            <a:spAutoFit/>
+          </a:bodyPr>
+          <a:lstStyle/>
+          <a:p>
+            <a:r>
+              <a:rPr lang="ja-JP" altLang="en-US" sz="2000" dirty="0"/>
+              <a:t>メモリ</a:t>
+            </a:r>
+            <a:endParaRPr kumimoji="1" lang="ja-JP" altLang="en-US" sz="2000" dirty="0"/>
+          </a:p>
+        </p:txBody>
+      </p:sp>
+      <p:sp>
+        <p:nvSpPr>
+          <p:cNvPr id="11" name="テキスト ボックス 10"/>
+          <p:cNvSpPr txBox="1"/>
+          <p:nvPr/>
+        </p:nvSpPr>
+        <p:spPr>
+          <a:xfrm>
+            <a:off x="179512" y="6237312"/>
+            <a:ext cx="877163" cy="369332"/>
+          </a:xfrm>
+          <a:prstGeom prst="rect">
+            <a:avLst/>
+          </a:prstGeom>
+          <a:noFill/>
+        </p:spPr>
+        <p:txBody>
+          <a:bodyPr wrap="none" rtlCol="0">
+            <a:spAutoFit/>
+          </a:bodyPr>
+          <a:lstStyle/>
+          <a:p>
+            <a:r>
+              <a:rPr lang="ja-JP" altLang="en-US" dirty="0" smtClean="0"/>
+              <a:t>演算</a:t>
+            </a:r>
+            <a:r>
+              <a:rPr lang="ja-JP" altLang="en-US" dirty="0"/>
+              <a:t>器</a:t>
+            </a:r>
+            <a:endParaRPr kumimoji="1" lang="ja-JP" altLang="en-US" dirty="0"/>
+          </a:p>
+        </p:txBody>
+      </p:sp>
+      <p:sp>
+        <p:nvSpPr>
+          <p:cNvPr id="22" name="テキスト ボックス 21"/>
+          <p:cNvSpPr txBox="1"/>
+          <p:nvPr/>
+        </p:nvSpPr>
+        <p:spPr>
+          <a:xfrm>
+            <a:off x="1259632" y="6228020"/>
+            <a:ext cx="877163" cy="369332"/>
+          </a:xfrm>
+          <a:prstGeom prst="rect">
+            <a:avLst/>
+          </a:prstGeom>
+          <a:noFill/>
+        </p:spPr>
+        <p:txBody>
+          <a:bodyPr wrap="none" rtlCol="0">
+            <a:spAutoFit/>
+          </a:bodyPr>
+          <a:lstStyle/>
+          <a:p>
+            <a:r>
+              <a:rPr lang="ja-JP" altLang="en-US" smtClean="0"/>
+              <a:t>演算</a:t>
+            </a:r>
+            <a:r>
+              <a:rPr lang="ja-JP" altLang="en-US"/>
+              <a:t>器</a:t>
+            </a:r>
+            <a:endParaRPr kumimoji="1" lang="ja-JP" altLang="en-US"/>
+          </a:p>
+        </p:txBody>
+      </p:sp>
+    </p:spTree>
+    <p:extLst>
+      <p:ext uri="{BB962C8B-B14F-4D97-AF65-F5344CB8AC3E}">
+        <p14:creationId xmlns:p14="http://schemas.microsoft.com/office/powerpoint/2010/main" val="1465854102"/>
+      </p:ext>
+    </p:extLst>
+  </p:cSld>
+  <p:clrMapOvr>
+    <a:masterClrMapping/>
+  </p:clrMapOvr>
+</p:sld>
+</file>
+
+<file path=ppt/slides/slide5.xml><?xml version="1.0" encoding="utf-8"?>
+<p:sld xmlns:a="http://schemas.openxmlformats.org/drawingml/2006/main" xmlns:r="http://schemas.openxmlformats.org/officeDocument/2006/relationships" xmlns:p="http://schemas.openxmlformats.org/presentationml/2006/main">
+  <p:cSld>
+    <p:spTree>
+      <p:nvGrpSpPr>
+        <p:cNvPr id="1" name=""/>
+        <p:cNvGrpSpPr/>
+        <p:nvPr/>
+      </p:nvGrpSpPr>
+      <p:grpSpPr>
+        <a:xfrm>
+          <a:off x="0" y="0"/>
+          <a:ext cx="0" cy="0"/>
+          <a:chOff x="0" y="0"/>
+          <a:chExt cx="0" cy="0"/>
+        </a:xfrm>
+      </p:grpSpPr>
+      <p:sp>
+        <p:nvSpPr>
+          <p:cNvPr id="2" name="テキスト プレースホルダー 1"/>
+          <p:cNvSpPr>
+            <a:spLocks noGrp="1"/>
+          </p:cNvSpPr>
+          <p:nvPr>
+            <p:ph type="body" sz="quarter" idx="10"/>
+          </p:nvPr>
+        </p:nvSpPr>
+        <p:spPr/>
+        <p:txBody>
+          <a:bodyPr/>
+          <a:lstStyle/>
+          <a:p>
+            <a:r>
+              <a:rPr lang="ja-JP" altLang="en-US" dirty="0" smtClean="0"/>
+              <a:t>計算機の仕組み</a:t>
+            </a:r>
+            <a:endParaRPr kumimoji="1" lang="ja-JP" altLang="en-US" dirty="0"/>
+          </a:p>
+        </p:txBody>
+      </p:sp>
+      <p:sp>
+        <p:nvSpPr>
+          <p:cNvPr id="3" name="テキスト ボックス 2"/>
+          <p:cNvSpPr txBox="1"/>
+          <p:nvPr/>
+        </p:nvSpPr>
+        <p:spPr>
+          <a:xfrm>
+            <a:off x="683568" y="1556792"/>
+            <a:ext cx="7981672" cy="584775"/>
+          </a:xfrm>
+          <a:prstGeom prst="rect">
+            <a:avLst/>
+          </a:prstGeom>
+          <a:noFill/>
+        </p:spPr>
+        <p:txBody>
+          <a:bodyPr wrap="none" rtlCol="0">
+            <a:spAutoFit/>
+          </a:bodyPr>
+          <a:lstStyle/>
+          <a:p>
+            <a:r>
+              <a:rPr lang="ja-JP" altLang="en-US" sz="3200" dirty="0" smtClean="0"/>
+              <a:t>データを</a:t>
+            </a:r>
+            <a:r>
+              <a:rPr lang="ja-JP" altLang="en-US" sz="3200" dirty="0" smtClean="0">
+                <a:solidFill>
+                  <a:srgbClr val="011893"/>
+                </a:solidFill>
+              </a:rPr>
+              <a:t>レジスタ</a:t>
+            </a:r>
+            <a:r>
+              <a:rPr lang="ja-JP" altLang="en-US" sz="3200" dirty="0" smtClean="0"/>
+              <a:t>に載せて</a:t>
+            </a:r>
+            <a:r>
+              <a:rPr lang="ja-JP" altLang="en-US" sz="3200" dirty="0" smtClean="0">
+                <a:solidFill>
+                  <a:srgbClr val="011893"/>
+                </a:solidFill>
+              </a:rPr>
+              <a:t>演算器</a:t>
+            </a:r>
+            <a:r>
+              <a:rPr lang="ja-JP" altLang="en-US" sz="3200" dirty="0" smtClean="0"/>
+              <a:t>に投げる</a:t>
+            </a:r>
+            <a:endParaRPr lang="en-US" altLang="ja-JP" sz="3200" dirty="0" smtClean="0"/>
+          </a:p>
+        </p:txBody>
+      </p:sp>
+      <p:sp>
+        <p:nvSpPr>
+          <p:cNvPr id="4" name="テキスト ボックス 3">
+            <a:extLst>
+              <a:ext uri="{FF2B5EF4-FFF2-40B4-BE49-F238E27FC236}">
+                <a16:creationId xmlns:a16="http://schemas.microsoft.com/office/drawing/2014/main" id="{42C6CDE1-88CC-4E4E-9CA3-F576F7D004C0}"/>
+              </a:ext>
+            </a:extLst>
+          </p:cNvPr>
+          <p:cNvSpPr txBox="1"/>
+          <p:nvPr/>
+        </p:nvSpPr>
+        <p:spPr bwMode="auto">
+          <a:xfrm>
+            <a:off x="251520" y="908720"/>
+            <a:ext cx="1826141" cy="584775"/>
+          </a:xfrm>
+          <a:prstGeom prst="rect">
+            <a:avLst/>
+          </a:prstGeom>
+          <a:noFill/>
+          <a:ln w="9525">
+            <a:noFill/>
+            <a:miter lim="800000"/>
+            <a:headEnd/>
+            <a:tailEnd/>
+          </a:ln>
+        </p:spPr>
+        <p:txBody>
+          <a:bodyPr wrap="none" rtlCol="0">
+            <a:spAutoFit/>
+          </a:bodyPr>
+          <a:lstStyle/>
+          <a:p>
+            <a:r>
+              <a:rPr kumimoji="1" lang="ja-JP" altLang="en-US" sz="3200" dirty="0" smtClean="0"/>
+              <a:t>計算機は</a:t>
+            </a:r>
+            <a:endParaRPr kumimoji="1" lang="ja-JP" altLang="en-US" sz="3200" dirty="0"/>
+          </a:p>
+        </p:txBody>
+      </p:sp>
+      <p:sp>
+        <p:nvSpPr>
+          <p:cNvPr id="5" name="テキスト ボックス 4">
+            <a:extLst>
+              <a:ext uri="{FF2B5EF4-FFF2-40B4-BE49-F238E27FC236}">
+                <a16:creationId xmlns:a16="http://schemas.microsoft.com/office/drawing/2014/main" id="{FDDC6CB9-213B-2F4C-822A-26421AD336B7}"/>
+              </a:ext>
+            </a:extLst>
+          </p:cNvPr>
+          <p:cNvSpPr txBox="1"/>
+          <p:nvPr/>
+        </p:nvSpPr>
+        <p:spPr bwMode="auto">
+          <a:xfrm>
+            <a:off x="6012160" y="2276872"/>
+            <a:ext cx="3057247" cy="584775"/>
+          </a:xfrm>
+          <a:prstGeom prst="rect">
+            <a:avLst/>
+          </a:prstGeom>
+          <a:noFill/>
+          <a:ln w="9525">
+            <a:noFill/>
+            <a:miter lim="800000"/>
+            <a:headEnd/>
+            <a:tailEnd/>
+          </a:ln>
+        </p:spPr>
+        <p:txBody>
+          <a:bodyPr wrap="none" rtlCol="0">
+            <a:spAutoFit/>
+          </a:bodyPr>
+          <a:lstStyle/>
+          <a:p>
+            <a:r>
+              <a:rPr lang="ja-JP" altLang="en-US" sz="3200" dirty="0" smtClean="0"/>
+              <a:t>ことで計算する</a:t>
+            </a:r>
+            <a:endParaRPr kumimoji="1" lang="ja-JP" altLang="en-US" sz="3200" dirty="0"/>
+          </a:p>
+        </p:txBody>
+      </p:sp>
+      <p:sp>
+        <p:nvSpPr>
+          <p:cNvPr id="7" name="AutoShape 4" descr="木製パレットのイラスト（荷台）"/>
+          <p:cNvSpPr>
+            <a:spLocks noChangeAspect="1" noChangeArrowheads="1"/>
+          </p:cNvSpPr>
+          <p:nvPr/>
+        </p:nvSpPr>
+        <p:spPr bwMode="auto">
+          <a:xfrm>
+            <a:off x="63500" y="-136525"/>
+            <a:ext cx="304800" cy="304800"/>
+          </a:xfrm>
+          <a:prstGeom prst="rect">
+            <a:avLst/>
+          </a:prstGeom>
+          <a:noFill/>
+          <a:extLst>
+            <a:ext uri="{909E8E84-426E-40DD-AFC4-6F175D3DCCD1}">
+              <a14:hiddenFill xmlns:a14="http://schemas.microsoft.com/office/drawing/2010/main">
+                <a:solidFill>
+                  <a:srgbClr val="FFFFFF"/>
+                </a:solidFill>
+              </a14:hiddenFill>
+            </a:ext>
+          </a:extLst>
+        </p:spPr>
+        <p:txBody>
+          <a:bodyPr vert="horz" wrap="square" lIns="91440" tIns="45720" rIns="91440" bIns="45720" numCol="1" anchor="t" anchorCtr="0" compatLnSpc="1">
+            <a:prstTxWarp prst="textNoShape">
+              <a:avLst/>
+            </a:prstTxWarp>
+          </a:bodyPr>
+          <a:lstStyle/>
+          <a:p>
+            <a:endParaRPr lang="ja-JP" altLang="en-US"/>
+          </a:p>
+        </p:txBody>
+      </p:sp>
+      <p:pic>
+        <p:nvPicPr>
+          <p:cNvPr id="1026" name="Picture 2" descr="木製パレットのイラスト（荷台）"/>
+          <p:cNvPicPr>
+            <a:picLocks noChangeAspect="1" noChangeArrowheads="1"/>
+          </p:cNvPicPr>
+          <p:nvPr/>
+        </p:nvPicPr>
+        <p:blipFill>
+          <a:blip r:embed="rId2">
+            <a:extLst>
+              <a:ext uri="{28A0092B-C50C-407E-A947-70E740481C1C}">
+                <a14:useLocalDpi xmlns:a14="http://schemas.microsoft.com/office/drawing/2010/main" val="0"/>
+              </a:ext>
+            </a:extLst>
+          </a:blip>
+          <a:srcRect/>
+          <a:stretch>
+            <a:fillRect/>
+          </a:stretch>
+        </p:blipFill>
+        <p:spPr bwMode="auto">
+          <a:xfrm>
+            <a:off x="611560" y="3853847"/>
+            <a:ext cx="1728192" cy="1447361"/>
+          </a:xfrm>
+          <a:prstGeom prst="rect">
+            <a:avLst/>
+          </a:prstGeom>
+          <a:noFill/>
+          <a:extLst>
+            <a:ext uri="{909E8E84-426E-40DD-AFC4-6F175D3DCCD1}">
+              <a14:hiddenFill xmlns:a14="http://schemas.microsoft.com/office/drawing/2010/main">
+                <a:solidFill>
+                  <a:srgbClr val="FFFFFF"/>
+                </a:solidFill>
+              </a14:hiddenFill>
+            </a:ext>
+          </a:extLst>
+        </p:spPr>
+      </p:pic>
+      <p:pic>
+        <p:nvPicPr>
+          <p:cNvPr id="1028" name="Picture 4" descr="荷物が載った木製パレットのイラスト（荷台）"/>
+          <p:cNvPicPr>
+            <a:picLocks noChangeAspect="1" noChangeArrowheads="1"/>
+          </p:cNvPicPr>
+          <p:nvPr/>
+        </p:nvPicPr>
+        <p:blipFill>
+          <a:blip r:embed="rId3" cstate="print">
+            <a:extLst>
+              <a:ext uri="{28A0092B-C50C-407E-A947-70E740481C1C}">
+                <a14:useLocalDpi xmlns:a14="http://schemas.microsoft.com/office/drawing/2010/main" val="0"/>
+              </a:ext>
+            </a:extLst>
+          </a:blip>
+          <a:srcRect/>
+          <a:stretch>
+            <a:fillRect/>
+          </a:stretch>
+        </p:blipFill>
+        <p:spPr bwMode="auto">
+          <a:xfrm>
+            <a:off x="3419872" y="3212976"/>
+            <a:ext cx="1224136" cy="1224136"/>
+          </a:xfrm>
+          <a:prstGeom prst="rect">
+            <a:avLst/>
+          </a:prstGeom>
+          <a:noFill/>
+          <a:extLst>
+            <a:ext uri="{909E8E84-426E-40DD-AFC4-6F175D3DCCD1}">
+              <a14:hiddenFill xmlns:a14="http://schemas.microsoft.com/office/drawing/2010/main">
+                <a:solidFill>
+                  <a:srgbClr val="FFFFFF"/>
+                </a:solidFill>
+              </a14:hiddenFill>
+            </a:ext>
+          </a:extLst>
+        </p:spPr>
+      </p:pic>
+      <p:pic>
+        <p:nvPicPr>
+          <p:cNvPr id="10" name="Picture 2" descr="ä¼ç¤¾ã®å»ºç©ã®ã¢ã¤ã³ã³ï¼å·¥å ´ï¼">
+            <a:extLst>
+              <a:ext uri="{FF2B5EF4-FFF2-40B4-BE49-F238E27FC236}">
+                <a16:creationId xmlns:a16="http://schemas.microsoft.com/office/drawing/2014/main" id="{393131F0-FC72-EF4D-9793-C7ECEB85538F}"/>
+              </a:ext>
+            </a:extLst>
+          </p:cNvPr>
+          <p:cNvPicPr>
+            <a:picLocks noChangeAspect="1" noChangeArrowheads="1"/>
+          </p:cNvPicPr>
+          <p:nvPr/>
+        </p:nvPicPr>
+        <p:blipFill>
+          <a:blip r:embed="rId4" cstate="print">
+            <a:extLst>
+              <a:ext uri="{28A0092B-C50C-407E-A947-70E740481C1C}">
+                <a14:useLocalDpi xmlns:a14="http://schemas.microsoft.com/office/drawing/2010/main" val="0"/>
+              </a:ext>
+            </a:extLst>
+          </a:blip>
+          <a:srcRect/>
+          <a:stretch>
+            <a:fillRect/>
+          </a:stretch>
+        </p:blipFill>
+        <p:spPr bwMode="auto">
+          <a:xfrm>
+            <a:off x="5796136" y="4077072"/>
+            <a:ext cx="1440160" cy="1339349"/>
+          </a:xfrm>
+          <a:prstGeom prst="rect">
+            <a:avLst/>
+          </a:prstGeom>
+          <a:noFill/>
+          <a:extLst>
+            <a:ext uri="{909E8E84-426E-40DD-AFC4-6F175D3DCCD1}">
+              <a14:hiddenFill xmlns:a14="http://schemas.microsoft.com/office/drawing/2010/main">
+                <a:solidFill>
+                  <a:srgbClr val="FFFFFF"/>
+                </a:solidFill>
+              </a14:hiddenFill>
+            </a:ext>
+          </a:extLst>
+        </p:spPr>
+      </p:pic>
+      <p:sp>
+        <p:nvSpPr>
+          <p:cNvPr id="11" name="左矢印 10">
+            <a:extLst>
+              <a:ext uri="{FF2B5EF4-FFF2-40B4-BE49-F238E27FC236}">
+                <a16:creationId xmlns:a16="http://schemas.microsoft.com/office/drawing/2014/main" id="{10A4E3BA-8093-A042-8F99-743013DB7532}"/>
+              </a:ext>
+            </a:extLst>
+          </p:cNvPr>
+          <p:cNvSpPr/>
+          <p:nvPr/>
+        </p:nvSpPr>
+        <p:spPr>
+          <a:xfrm rot="18900000">
+            <a:off x="4860693" y="5295431"/>
+            <a:ext cx="574745" cy="443603"/>
+          </a:xfrm>
+          <a:prstGeom prst="leftArrow">
+            <a:avLst/>
+          </a:prstGeom>
+          <a:solidFill>
+            <a:srgbClr val="FF0000"/>
+          </a:solidFill>
+          <a:ln>
+            <a:solidFill>
+              <a:schemeClr val="tx1"/>
+            </a:solidFill>
+          </a:ln>
+          <a:effectLst/>
+        </p:spPr>
+        <p:style>
+          <a:lnRef idx="1">
+            <a:schemeClr val="accent1"/>
+          </a:lnRef>
+          <a:fillRef idx="3">
+            <a:schemeClr val="accent1"/>
+          </a:fillRef>
+          <a:effectRef idx="2">
+            <a:schemeClr val="accent1"/>
+          </a:effectRef>
+          <a:fontRef idx="minor">
+            <a:schemeClr val="lt1"/>
+          </a:fontRef>
+        </p:style>
+        <p:txBody>
+          <a:bodyPr rtlCol="0" anchor="ctr"/>
+          <a:lstStyle/>
+          <a:p>
+            <a:pPr algn="ctr"/>
+            <a:endParaRPr kumimoji="1" lang="ja-JP" altLang="en-US" dirty="0">
+              <a:solidFill>
+                <a:srgbClr val="000000"/>
+              </a:solidFill>
+            </a:endParaRPr>
+          </a:p>
+        </p:txBody>
+      </p:sp>
+      <p:sp>
+        <p:nvSpPr>
+          <p:cNvPr id="12" name="左矢印 11">
+            <a:extLst>
+              <a:ext uri="{FF2B5EF4-FFF2-40B4-BE49-F238E27FC236}">
+                <a16:creationId xmlns:a16="http://schemas.microsoft.com/office/drawing/2014/main" id="{10A4E3BA-8093-A042-8F99-743013DB7532}"/>
+              </a:ext>
+            </a:extLst>
+          </p:cNvPr>
+          <p:cNvSpPr/>
+          <p:nvPr/>
+        </p:nvSpPr>
+        <p:spPr>
+          <a:xfrm rot="13500000">
+            <a:off x="4860693" y="4215311"/>
+            <a:ext cx="574745" cy="443603"/>
+          </a:xfrm>
+          <a:prstGeom prst="leftArrow">
+            <a:avLst/>
+          </a:prstGeom>
+          <a:solidFill>
+            <a:srgbClr val="FF0000"/>
+          </a:solidFill>
+          <a:ln>
+            <a:solidFill>
+              <a:schemeClr val="tx1"/>
+            </a:solidFill>
+          </a:ln>
+          <a:effectLst/>
+        </p:spPr>
+        <p:style>
+          <a:lnRef idx="1">
+            <a:schemeClr val="accent1"/>
+          </a:lnRef>
+          <a:fillRef idx="3">
+            <a:schemeClr val="accent1"/>
+          </a:fillRef>
+          <a:effectRef idx="2">
+            <a:schemeClr val="accent1"/>
+          </a:effectRef>
+          <a:fontRef idx="minor">
+            <a:schemeClr val="lt1"/>
+          </a:fontRef>
+        </p:style>
+        <p:txBody>
+          <a:bodyPr rtlCol="0" anchor="ctr"/>
+          <a:lstStyle/>
+          <a:p>
+            <a:pPr algn="ctr"/>
+            <a:endParaRPr kumimoji="1" lang="ja-JP" altLang="en-US" dirty="0">
+              <a:solidFill>
+                <a:srgbClr val="000000"/>
+              </a:solidFill>
+            </a:endParaRPr>
+          </a:p>
+        </p:txBody>
+      </p:sp>
+      <p:pic>
+        <p:nvPicPr>
+          <p:cNvPr id="13" name="Picture 4" descr="荷物が載った木製パレットのイラスト（荷台）"/>
+          <p:cNvPicPr>
+            <a:picLocks noChangeAspect="1" noChangeArrowheads="1"/>
+          </p:cNvPicPr>
+          <p:nvPr/>
+        </p:nvPicPr>
+        <p:blipFill>
+          <a:blip r:embed="rId3" cstate="print">
+            <a:extLst>
+              <a:ext uri="{28A0092B-C50C-407E-A947-70E740481C1C}">
+                <a14:useLocalDpi xmlns:a14="http://schemas.microsoft.com/office/drawing/2010/main" val="0"/>
+              </a:ext>
+            </a:extLst>
+          </a:blip>
+          <a:srcRect/>
+          <a:stretch>
+            <a:fillRect/>
+          </a:stretch>
+        </p:blipFill>
+        <p:spPr bwMode="auto">
+          <a:xfrm>
+            <a:off x="3419872" y="5013176"/>
+            <a:ext cx="1224136" cy="1224136"/>
+          </a:xfrm>
+          <a:prstGeom prst="rect">
+            <a:avLst/>
+          </a:prstGeom>
+          <a:noFill/>
+          <a:extLst>
+            <a:ext uri="{909E8E84-426E-40DD-AFC4-6F175D3DCCD1}">
+              <a14:hiddenFill xmlns:a14="http://schemas.microsoft.com/office/drawing/2010/main">
+                <a:solidFill>
+                  <a:srgbClr val="FFFFFF"/>
+                </a:solidFill>
+              </a14:hiddenFill>
+            </a:ext>
+          </a:extLst>
+        </p:spPr>
+      </p:pic>
+      <p:sp>
+        <p:nvSpPr>
+          <p:cNvPr id="6" name="テキスト ボックス 5"/>
+          <p:cNvSpPr txBox="1"/>
+          <p:nvPr/>
+        </p:nvSpPr>
+        <p:spPr>
+          <a:xfrm>
+            <a:off x="755576" y="3493807"/>
+            <a:ext cx="1415772" cy="461665"/>
+          </a:xfrm>
+          <a:prstGeom prst="rect">
+            <a:avLst/>
+          </a:prstGeom>
+          <a:noFill/>
+        </p:spPr>
+        <p:txBody>
+          <a:bodyPr wrap="none" rtlCol="0">
+            <a:spAutoFit/>
+          </a:bodyPr>
+          <a:lstStyle/>
+          <a:p>
+            <a:r>
+              <a:rPr kumimoji="1" lang="ja-JP" altLang="en-US" sz="2400" dirty="0" smtClean="0"/>
+              <a:t>レジスタ</a:t>
+            </a:r>
+            <a:endParaRPr kumimoji="1" lang="ja-JP" altLang="en-US" sz="2400" dirty="0"/>
+          </a:p>
+        </p:txBody>
+      </p:sp>
+      <p:sp>
+        <p:nvSpPr>
+          <p:cNvPr id="15" name="テキスト ボックス 14"/>
+          <p:cNvSpPr txBox="1"/>
+          <p:nvPr/>
+        </p:nvSpPr>
+        <p:spPr>
+          <a:xfrm>
+            <a:off x="3419872" y="2708920"/>
+            <a:ext cx="1107996" cy="461665"/>
+          </a:xfrm>
+          <a:prstGeom prst="rect">
+            <a:avLst/>
+          </a:prstGeom>
+          <a:noFill/>
+        </p:spPr>
+        <p:txBody>
+          <a:bodyPr wrap="none" rtlCol="0">
+            <a:spAutoFit/>
+          </a:bodyPr>
+          <a:lstStyle/>
+          <a:p>
+            <a:r>
+              <a:rPr lang="ja-JP" altLang="en-US" sz="2400" dirty="0" smtClean="0"/>
+              <a:t>データ</a:t>
+            </a:r>
+            <a:endParaRPr lang="en-US" altLang="ja-JP" sz="2400" dirty="0" smtClean="0"/>
+          </a:p>
+        </p:txBody>
+      </p:sp>
+      <p:sp>
+        <p:nvSpPr>
+          <p:cNvPr id="16" name="テキスト ボックス 15"/>
+          <p:cNvSpPr txBox="1"/>
+          <p:nvPr/>
+        </p:nvSpPr>
+        <p:spPr>
+          <a:xfrm>
+            <a:off x="6092552" y="3725416"/>
+            <a:ext cx="1107996" cy="461665"/>
+          </a:xfrm>
+          <a:prstGeom prst="rect">
+            <a:avLst/>
+          </a:prstGeom>
+          <a:noFill/>
+        </p:spPr>
+        <p:txBody>
+          <a:bodyPr wrap="none" rtlCol="0">
+            <a:spAutoFit/>
+          </a:bodyPr>
+          <a:lstStyle/>
+          <a:p>
+            <a:r>
+              <a:rPr lang="ja-JP" altLang="en-US" sz="2400" dirty="0" smtClean="0"/>
+              <a:t>演算</a:t>
+            </a:r>
+            <a:r>
+              <a:rPr lang="ja-JP" altLang="en-US" sz="2400" dirty="0"/>
+              <a:t>器</a:t>
+            </a:r>
+            <a:endParaRPr kumimoji="1" lang="ja-JP" altLang="en-US" sz="2400" dirty="0"/>
+          </a:p>
+        </p:txBody>
+      </p:sp>
+      <p:sp>
+        <p:nvSpPr>
+          <p:cNvPr id="17" name="テキスト ボックス 16"/>
+          <p:cNvSpPr txBox="1"/>
+          <p:nvPr/>
+        </p:nvSpPr>
+        <p:spPr>
+          <a:xfrm>
+            <a:off x="3372252" y="4581128"/>
+            <a:ext cx="1415772" cy="461665"/>
+          </a:xfrm>
+          <a:prstGeom prst="rect">
+            <a:avLst/>
+          </a:prstGeom>
+          <a:noFill/>
+        </p:spPr>
+        <p:txBody>
+          <a:bodyPr wrap="none" rtlCol="0">
+            <a:spAutoFit/>
+          </a:bodyPr>
+          <a:lstStyle/>
+          <a:p>
+            <a:r>
+              <a:rPr lang="ja-JP" altLang="en-US" sz="2400" dirty="0" smtClean="0"/>
+              <a:t>演算</a:t>
+            </a:r>
+            <a:r>
+              <a:rPr lang="ja-JP" altLang="en-US" sz="2400" dirty="0"/>
+              <a:t>結果</a:t>
+            </a:r>
+            <a:endParaRPr kumimoji="1" lang="ja-JP" altLang="en-US" sz="2400" dirty="0"/>
+          </a:p>
+        </p:txBody>
+      </p:sp>
+      <p:sp>
+        <p:nvSpPr>
+          <p:cNvPr id="9" name="テキスト ボックス 8"/>
+          <p:cNvSpPr txBox="1"/>
+          <p:nvPr/>
+        </p:nvSpPr>
+        <p:spPr>
+          <a:xfrm>
+            <a:off x="630713" y="6381328"/>
+            <a:ext cx="7109639" cy="369332"/>
+          </a:xfrm>
+          <a:prstGeom prst="rect">
+            <a:avLst/>
+          </a:prstGeom>
+          <a:noFill/>
+        </p:spPr>
+        <p:txBody>
+          <a:bodyPr wrap="none" rtlCol="0">
+            <a:spAutoFit/>
+          </a:bodyPr>
+          <a:lstStyle/>
+          <a:p>
+            <a:r>
+              <a:rPr kumimoji="1" lang="ja-JP" altLang="en-US" dirty="0" smtClean="0"/>
+              <a:t>データをレジスタに載せて計算し、結果もレジスタに帰ってくる</a:t>
+            </a:r>
+            <a:endParaRPr kumimoji="1" lang="ja-JP" altLang="en-US" dirty="0"/>
+          </a:p>
+        </p:txBody>
+      </p:sp>
+    </p:spTree>
+    <p:extLst>
+      <p:ext uri="{BB962C8B-B14F-4D97-AF65-F5344CB8AC3E}">
+        <p14:creationId xmlns:p14="http://schemas.microsoft.com/office/powerpoint/2010/main" val="3241415515"/>
+      </p:ext>
+    </p:extLst>
+  </p:cSld>
+  <p:clrMapOvr>
+    <a:masterClrMapping/>
+  </p:clrMapOvr>
+</p:sld>
+</file>
+
+<file path=ppt/slides/slide6.xml><?xml version="1.0" encoding="utf-8"?>
+<p:sld xmlns:a="http://schemas.openxmlformats.org/drawingml/2006/main" xmlns:r="http://schemas.openxmlformats.org/officeDocument/2006/relationships" xmlns:p="http://schemas.openxmlformats.org/presentationml/2006/main">
+  <p:cSld>
+    <p:spTree>
+      <p:nvGrpSpPr>
+        <p:cNvPr id="1" name=""/>
+        <p:cNvGrpSpPr/>
+        <p:nvPr/>
+      </p:nvGrpSpPr>
+      <p:grpSpPr>
+        <a:xfrm>
+          <a:off x="0" y="0"/>
+          <a:ext cx="0" cy="0"/>
+          <a:chOff x="0" y="0"/>
+          <a:chExt cx="0" cy="0"/>
+        </a:xfrm>
+      </p:grpSpPr>
+      <p:sp>
+        <p:nvSpPr>
+          <p:cNvPr id="2" name="テキスト プレースホルダー 1"/>
+          <p:cNvSpPr>
+            <a:spLocks noGrp="1"/>
+          </p:cNvSpPr>
+          <p:nvPr>
+            <p:ph type="body" sz="quarter" idx="10"/>
+          </p:nvPr>
+        </p:nvSpPr>
+        <p:spPr/>
+        <p:txBody>
+          <a:bodyPr/>
+          <a:lstStyle/>
+          <a:p>
+            <a:r>
+              <a:rPr lang="ja-JP" altLang="en-US" dirty="0" smtClean="0"/>
+              <a:t>計算機の仕組み</a:t>
+            </a:r>
+            <a:endParaRPr kumimoji="1" lang="ja-JP" altLang="en-US" dirty="0"/>
+          </a:p>
+        </p:txBody>
+      </p:sp>
+      <p:sp>
+        <p:nvSpPr>
+          <p:cNvPr id="3" name="テキスト ボックス 2"/>
+          <p:cNvSpPr txBox="1"/>
+          <p:nvPr/>
+        </p:nvSpPr>
+        <p:spPr>
+          <a:xfrm>
+            <a:off x="323528" y="1484784"/>
+            <a:ext cx="8494633" cy="461665"/>
+          </a:xfrm>
+          <a:prstGeom prst="rect">
+            <a:avLst/>
+          </a:prstGeom>
+          <a:noFill/>
+        </p:spPr>
+        <p:txBody>
+          <a:bodyPr wrap="none" rtlCol="0">
+            <a:spAutoFit/>
+          </a:bodyPr>
+          <a:lstStyle/>
+          <a:p>
+            <a:r>
+              <a:rPr kumimoji="1" lang="ja-JP" altLang="en-US" sz="2400" dirty="0" smtClean="0">
+                <a:solidFill>
+                  <a:srgbClr val="011893"/>
+                </a:solidFill>
+              </a:rPr>
+              <a:t>整数</a:t>
+            </a:r>
+            <a:r>
+              <a:rPr kumimoji="1" lang="ja-JP" altLang="en-US" sz="2400" dirty="0" smtClean="0"/>
+              <a:t>と</a:t>
+            </a:r>
+            <a:r>
+              <a:rPr kumimoji="1" lang="ja-JP" altLang="en-US" sz="2400" dirty="0" smtClean="0">
+                <a:solidFill>
+                  <a:srgbClr val="011893"/>
+                </a:solidFill>
+              </a:rPr>
+              <a:t>浮動小数点数</a:t>
+            </a:r>
+            <a:r>
+              <a:rPr kumimoji="1" lang="ja-JP" altLang="en-US" sz="2400" dirty="0" smtClean="0"/>
+              <a:t>は異なる</a:t>
+            </a:r>
+            <a:r>
+              <a:rPr kumimoji="1" lang="ja-JP" altLang="en-US" sz="2400" dirty="0" smtClean="0">
+                <a:solidFill>
+                  <a:srgbClr val="011893"/>
+                </a:solidFill>
+              </a:rPr>
+              <a:t>レジスタ</a:t>
+            </a:r>
+            <a:r>
+              <a:rPr kumimoji="1" lang="ja-JP" altLang="en-US" sz="2400" dirty="0" smtClean="0"/>
+              <a:t>、異なる</a:t>
+            </a:r>
+            <a:r>
+              <a:rPr kumimoji="1" lang="ja-JP" altLang="en-US" sz="2400" dirty="0" smtClean="0">
+                <a:solidFill>
+                  <a:srgbClr val="011893"/>
+                </a:solidFill>
+              </a:rPr>
+              <a:t>演算器</a:t>
+            </a:r>
+            <a:r>
+              <a:rPr kumimoji="1" lang="ja-JP" altLang="en-US" sz="2400" dirty="0" smtClean="0"/>
+              <a:t>を使う</a:t>
+            </a:r>
+            <a:endParaRPr kumimoji="1" lang="ja-JP" altLang="en-US" sz="2400" dirty="0"/>
+          </a:p>
+        </p:txBody>
+      </p:sp>
+      <p:pic>
+        <p:nvPicPr>
+          <p:cNvPr id="2050" name="Picture 2" descr="樹脂パレットのイラスト（荷台）"/>
+          <p:cNvPicPr>
+            <a:picLocks noChangeAspect="1" noChangeArrowheads="1"/>
+          </p:cNvPicPr>
+          <p:nvPr/>
+        </p:nvPicPr>
+        <p:blipFill>
+          <a:blip r:embed="rId3">
+            <a:extLst>
+              <a:ext uri="{28A0092B-C50C-407E-A947-70E740481C1C}">
+                <a14:useLocalDpi xmlns:a14="http://schemas.microsoft.com/office/drawing/2010/main" val="0"/>
+              </a:ext>
+            </a:extLst>
+          </a:blip>
+          <a:srcRect/>
+          <a:stretch>
+            <a:fillRect/>
+          </a:stretch>
+        </p:blipFill>
+        <p:spPr bwMode="auto">
+          <a:xfrm>
+            <a:off x="5292080" y="2996952"/>
+            <a:ext cx="1719594" cy="1440160"/>
+          </a:xfrm>
+          <a:prstGeom prst="rect">
+            <a:avLst/>
+          </a:prstGeom>
+          <a:noFill/>
+          <a:extLst>
+            <a:ext uri="{909E8E84-426E-40DD-AFC4-6F175D3DCCD1}">
+              <a14:hiddenFill xmlns:a14="http://schemas.microsoft.com/office/drawing/2010/main">
+                <a:solidFill>
+                  <a:srgbClr val="FFFFFF"/>
+                </a:solidFill>
+              </a14:hiddenFill>
+            </a:ext>
+          </a:extLst>
+        </p:spPr>
+      </p:pic>
+      <p:pic>
+        <p:nvPicPr>
+          <p:cNvPr id="5" name="Picture 2" descr="木製パレットのイラスト（荷台）"/>
+          <p:cNvPicPr>
+            <a:picLocks noChangeAspect="1" noChangeArrowheads="1"/>
+          </p:cNvPicPr>
+          <p:nvPr/>
+        </p:nvPicPr>
+        <p:blipFill>
+          <a:blip r:embed="rId4">
+            <a:extLst>
+              <a:ext uri="{28A0092B-C50C-407E-A947-70E740481C1C}">
+                <a14:useLocalDpi xmlns:a14="http://schemas.microsoft.com/office/drawing/2010/main" val="0"/>
+              </a:ext>
+            </a:extLst>
+          </a:blip>
+          <a:srcRect/>
+          <a:stretch>
+            <a:fillRect/>
+          </a:stretch>
+        </p:blipFill>
+        <p:spPr bwMode="auto">
+          <a:xfrm>
+            <a:off x="1403648" y="2996952"/>
+            <a:ext cx="1728192" cy="1447361"/>
+          </a:xfrm>
+          <a:prstGeom prst="rect">
+            <a:avLst/>
+          </a:prstGeom>
+          <a:noFill/>
+          <a:extLst>
+            <a:ext uri="{909E8E84-426E-40DD-AFC4-6F175D3DCCD1}">
+              <a14:hiddenFill xmlns:a14="http://schemas.microsoft.com/office/drawing/2010/main">
+                <a:solidFill>
+                  <a:srgbClr val="FFFFFF"/>
+                </a:solidFill>
+              </a14:hiddenFill>
+            </a:ext>
+          </a:extLst>
+        </p:spPr>
+      </p:pic>
+      <p:sp>
+        <p:nvSpPr>
+          <p:cNvPr id="6" name="テキスト ボックス 5"/>
+          <p:cNvSpPr txBox="1"/>
+          <p:nvPr/>
+        </p:nvSpPr>
+        <p:spPr>
+          <a:xfrm>
+            <a:off x="1259632" y="2420888"/>
+            <a:ext cx="2031325" cy="461665"/>
+          </a:xfrm>
+          <a:prstGeom prst="rect">
+            <a:avLst/>
+          </a:prstGeom>
+          <a:noFill/>
+        </p:spPr>
+        <p:txBody>
+          <a:bodyPr wrap="none" rtlCol="0">
+            <a:spAutoFit/>
+          </a:bodyPr>
+          <a:lstStyle/>
+          <a:p>
+            <a:r>
+              <a:rPr lang="ja-JP" altLang="en-US" sz="2400" dirty="0"/>
+              <a:t>整数</a:t>
+            </a:r>
+            <a:r>
+              <a:rPr kumimoji="1" lang="ja-JP" altLang="en-US" sz="2400" dirty="0" smtClean="0"/>
+              <a:t>レジスタ</a:t>
+            </a:r>
+            <a:endParaRPr kumimoji="1" lang="en-US" altLang="ja-JP" sz="2400" dirty="0" smtClean="0"/>
+          </a:p>
+        </p:txBody>
+      </p:sp>
+      <p:sp>
+        <p:nvSpPr>
+          <p:cNvPr id="7" name="テキスト ボックス 6"/>
+          <p:cNvSpPr txBox="1"/>
+          <p:nvPr/>
+        </p:nvSpPr>
+        <p:spPr>
+          <a:xfrm>
+            <a:off x="4713689" y="2420888"/>
+            <a:ext cx="2954655" cy="461665"/>
+          </a:xfrm>
+          <a:prstGeom prst="rect">
+            <a:avLst/>
+          </a:prstGeom>
+          <a:noFill/>
+        </p:spPr>
+        <p:txBody>
+          <a:bodyPr wrap="none" rtlCol="0">
+            <a:spAutoFit/>
+          </a:bodyPr>
+          <a:lstStyle/>
+          <a:p>
+            <a:r>
+              <a:rPr kumimoji="1" lang="ja-JP" altLang="en-US" sz="2400" dirty="0" smtClean="0"/>
+              <a:t>浮動小数点レジスタ</a:t>
+            </a:r>
+            <a:endParaRPr kumimoji="1" lang="ja-JP" altLang="en-US" sz="2400" dirty="0"/>
+          </a:p>
+        </p:txBody>
+      </p:sp>
+      <p:pic>
+        <p:nvPicPr>
+          <p:cNvPr id="8" name="Picture 2" descr="ä¼ç¤¾ã®å»ºç©ã®ã¢ã¤ã³ã³ï¼å·¥å ´ï¼">
+            <a:extLst>
+              <a:ext uri="{FF2B5EF4-FFF2-40B4-BE49-F238E27FC236}">
+                <a16:creationId xmlns:a16="http://schemas.microsoft.com/office/drawing/2014/main" id="{393131F0-FC72-EF4D-9793-C7ECEB85538F}"/>
+              </a:ext>
+            </a:extLst>
+          </p:cNvPr>
+          <p:cNvPicPr>
+            <a:picLocks noChangeAspect="1" noChangeArrowheads="1"/>
+          </p:cNvPicPr>
+          <p:nvPr/>
+        </p:nvPicPr>
+        <p:blipFill>
+          <a:blip r:embed="rId5" cstate="print">
+            <a:extLst>
+              <a:ext uri="{28A0092B-C50C-407E-A947-70E740481C1C}">
+                <a14:useLocalDpi xmlns:a14="http://schemas.microsoft.com/office/drawing/2010/main" val="0"/>
+              </a:ext>
+            </a:extLst>
+          </a:blip>
+          <a:srcRect/>
+          <a:stretch>
+            <a:fillRect/>
+          </a:stretch>
+        </p:blipFill>
+        <p:spPr bwMode="auto">
+          <a:xfrm>
+            <a:off x="1691680" y="5373216"/>
+            <a:ext cx="1053020" cy="979309"/>
+          </a:xfrm>
+          <a:prstGeom prst="rect">
+            <a:avLst/>
+          </a:prstGeom>
+          <a:noFill/>
+          <a:extLst>
+            <a:ext uri="{909E8E84-426E-40DD-AFC4-6F175D3DCCD1}">
+              <a14:hiddenFill xmlns:a14="http://schemas.microsoft.com/office/drawing/2010/main">
+                <a:solidFill>
+                  <a:srgbClr val="FFFFFF"/>
+                </a:solidFill>
+              </a14:hiddenFill>
+            </a:ext>
+          </a:extLst>
+        </p:spPr>
+      </p:pic>
+      <p:sp>
+        <p:nvSpPr>
+          <p:cNvPr id="9" name="テキスト ボックス 8"/>
+          <p:cNvSpPr txBox="1"/>
+          <p:nvPr/>
+        </p:nvSpPr>
+        <p:spPr>
+          <a:xfrm>
+            <a:off x="1331640" y="6309320"/>
+            <a:ext cx="1723549" cy="461665"/>
+          </a:xfrm>
+          <a:prstGeom prst="rect">
+            <a:avLst/>
+          </a:prstGeom>
+          <a:noFill/>
+        </p:spPr>
+        <p:txBody>
+          <a:bodyPr wrap="none" rtlCol="0">
+            <a:spAutoFit/>
+          </a:bodyPr>
+          <a:lstStyle/>
+          <a:p>
+            <a:r>
+              <a:rPr lang="ja-JP" altLang="en-US" sz="2400" dirty="0"/>
+              <a:t>整数</a:t>
+            </a:r>
+            <a:r>
+              <a:rPr lang="ja-JP" altLang="en-US" sz="2400" dirty="0" smtClean="0"/>
+              <a:t>演算器</a:t>
+            </a:r>
+            <a:endParaRPr kumimoji="1" lang="ja-JP" altLang="en-US" sz="2400" dirty="0"/>
+          </a:p>
+        </p:txBody>
+      </p:sp>
+      <p:pic>
+        <p:nvPicPr>
+          <p:cNvPr id="10" name="Picture 2" descr="ä¼ç¤¾ã®å»ºç©ã®ã¢ã¤ã³ã³ï¼å·¥å ´ï¼">
+            <a:extLst>
+              <a:ext uri="{FF2B5EF4-FFF2-40B4-BE49-F238E27FC236}">
+                <a16:creationId xmlns:a16="http://schemas.microsoft.com/office/drawing/2014/main" id="{393131F0-FC72-EF4D-9793-C7ECEB85538F}"/>
+              </a:ext>
+            </a:extLst>
+          </p:cNvPr>
+          <p:cNvPicPr>
+            <a:picLocks noChangeAspect="1" noChangeArrowheads="1"/>
+          </p:cNvPicPr>
+          <p:nvPr/>
+        </p:nvPicPr>
+        <p:blipFill>
+          <a:blip r:embed="rId5" cstate="print">
+            <a:extLst>
+              <a:ext uri="{28A0092B-C50C-407E-A947-70E740481C1C}">
+                <a14:useLocalDpi xmlns:a14="http://schemas.microsoft.com/office/drawing/2010/main" val="0"/>
+              </a:ext>
+            </a:extLst>
+          </a:blip>
+          <a:srcRect/>
+          <a:stretch>
+            <a:fillRect/>
+          </a:stretch>
+        </p:blipFill>
+        <p:spPr bwMode="auto">
+          <a:xfrm>
+            <a:off x="5728771" y="5373216"/>
+            <a:ext cx="1053020" cy="979309"/>
+          </a:xfrm>
+          <a:prstGeom prst="rect">
+            <a:avLst/>
+          </a:prstGeom>
+          <a:noFill/>
+          <a:extLst>
+            <a:ext uri="{909E8E84-426E-40DD-AFC4-6F175D3DCCD1}">
+              <a14:hiddenFill xmlns:a14="http://schemas.microsoft.com/office/drawing/2010/main">
+                <a:solidFill>
+                  <a:srgbClr val="FFFFFF"/>
+                </a:solidFill>
+              </a14:hiddenFill>
+            </a:ext>
+          </a:extLst>
+        </p:spPr>
+      </p:pic>
+      <p:sp>
+        <p:nvSpPr>
+          <p:cNvPr id="11" name="テキスト ボックス 10"/>
+          <p:cNvSpPr txBox="1"/>
+          <p:nvPr/>
+        </p:nvSpPr>
+        <p:spPr>
+          <a:xfrm>
+            <a:off x="5148064" y="6309320"/>
+            <a:ext cx="2339102" cy="461665"/>
+          </a:xfrm>
+          <a:prstGeom prst="rect">
+            <a:avLst/>
+          </a:prstGeom>
+          <a:noFill/>
+        </p:spPr>
+        <p:txBody>
+          <a:bodyPr wrap="none" rtlCol="0">
+            <a:spAutoFit/>
+          </a:bodyPr>
+          <a:lstStyle/>
+          <a:p>
+            <a:r>
+              <a:rPr lang="ja-JP" altLang="en-US" sz="2400" dirty="0" smtClean="0"/>
+              <a:t>浮動小数演算器</a:t>
+            </a:r>
+            <a:endParaRPr kumimoji="1" lang="ja-JP" altLang="en-US" sz="2400" dirty="0"/>
+          </a:p>
+        </p:txBody>
+      </p:sp>
+      <p:sp>
+        <p:nvSpPr>
+          <p:cNvPr id="4" name="上下矢印 3"/>
+          <p:cNvSpPr/>
+          <p:nvPr/>
+        </p:nvSpPr>
+        <p:spPr>
+          <a:xfrm>
+            <a:off x="2051720" y="4509120"/>
+            <a:ext cx="432048" cy="784104"/>
+          </a:xfrm>
+          <a:prstGeom prst="upDownArrow">
+            <a:avLst/>
+          </a:prstGeom>
+          <a:solidFill>
+            <a:srgbClr val="FF0000"/>
+          </a:solidFill>
+          <a:ln>
+            <a:solidFill>
+              <a:schemeClr val="tx1"/>
+            </a:solidFill>
+          </a:ln>
+        </p:spPr>
+        <p:style>
+          <a:lnRef idx="2">
+            <a:schemeClr val="accent1">
+              <a:shade val="50000"/>
+            </a:schemeClr>
+          </a:lnRef>
+          <a:fillRef idx="1">
+            <a:schemeClr val="accent1"/>
+          </a:fillRef>
+          <a:effectRef idx="0">
+            <a:schemeClr val="accent1"/>
+          </a:effectRef>
+          <a:fontRef idx="minor">
+            <a:schemeClr val="lt1"/>
+          </a:fontRef>
+        </p:style>
+        <p:txBody>
+          <a:bodyPr rtlCol="0" anchor="ctr"/>
+          <a:lstStyle/>
+          <a:p>
+            <a:pPr algn="ctr"/>
+            <a:endParaRPr kumimoji="1" lang="ja-JP" altLang="en-US"/>
+          </a:p>
+        </p:txBody>
+      </p:sp>
+      <p:sp>
+        <p:nvSpPr>
+          <p:cNvPr id="13" name="上下矢印 12"/>
+          <p:cNvSpPr/>
+          <p:nvPr/>
+        </p:nvSpPr>
+        <p:spPr>
+          <a:xfrm>
+            <a:off x="6012160" y="4509120"/>
+            <a:ext cx="432048" cy="784104"/>
+          </a:xfrm>
+          <a:prstGeom prst="upDownArrow">
+            <a:avLst/>
+          </a:prstGeom>
+          <a:solidFill>
+            <a:srgbClr val="FF0000"/>
+          </a:solidFill>
+          <a:ln>
+            <a:solidFill>
+              <a:schemeClr val="tx1"/>
+            </a:solidFill>
+          </a:ln>
+        </p:spPr>
+        <p:style>
+          <a:lnRef idx="2">
+            <a:schemeClr val="accent1">
+              <a:shade val="50000"/>
+            </a:schemeClr>
+          </a:lnRef>
+          <a:fillRef idx="1">
+            <a:schemeClr val="accent1"/>
+          </a:fillRef>
+          <a:effectRef idx="0">
+            <a:schemeClr val="accent1"/>
+          </a:effectRef>
+          <a:fontRef idx="minor">
+            <a:schemeClr val="lt1"/>
+          </a:fontRef>
+        </p:style>
+        <p:txBody>
+          <a:bodyPr rtlCol="0" anchor="ctr"/>
+          <a:lstStyle/>
+          <a:p>
+            <a:pPr algn="ctr"/>
+            <a:endParaRPr kumimoji="1" lang="ja-JP" altLang="en-US"/>
+          </a:p>
+        </p:txBody>
+      </p:sp>
+      <p:sp>
+        <p:nvSpPr>
+          <p:cNvPr id="12" name="テキスト ボックス 11"/>
+          <p:cNvSpPr txBox="1"/>
+          <p:nvPr/>
+        </p:nvSpPr>
+        <p:spPr>
+          <a:xfrm>
+            <a:off x="251520" y="4725144"/>
+            <a:ext cx="1620957" cy="523220"/>
+          </a:xfrm>
+          <a:prstGeom prst="rect">
+            <a:avLst/>
+          </a:prstGeom>
+          <a:noFill/>
+        </p:spPr>
+        <p:txBody>
+          <a:bodyPr wrap="none" rtlCol="0">
+            <a:spAutoFit/>
+          </a:bodyPr>
+          <a:lstStyle/>
+          <a:p>
+            <a:r>
+              <a:rPr lang="ja-JP" altLang="en-US" sz="1400" dirty="0"/>
+              <a:t>整数</a:t>
+            </a:r>
+            <a:r>
+              <a:rPr lang="ja-JP" altLang="en-US" sz="1400" dirty="0" smtClean="0"/>
+              <a:t>レジスタ</a:t>
+            </a:r>
+            <a:endParaRPr lang="en-US" altLang="ja-JP" sz="1400" dirty="0" smtClean="0"/>
+          </a:p>
+          <a:p>
+            <a:r>
+              <a:rPr kumimoji="1" lang="ja-JP" altLang="en-US" sz="1400" dirty="0" smtClean="0"/>
+              <a:t>しか受け付けない</a:t>
+            </a:r>
+            <a:endParaRPr kumimoji="1" lang="ja-JP" altLang="en-US" sz="1400" dirty="0"/>
+          </a:p>
+        </p:txBody>
+      </p:sp>
+      <p:sp>
+        <p:nvSpPr>
+          <p:cNvPr id="15" name="テキスト ボックス 14"/>
+          <p:cNvSpPr txBox="1"/>
+          <p:nvPr/>
+        </p:nvSpPr>
+        <p:spPr>
+          <a:xfrm>
+            <a:off x="6804248" y="4633972"/>
+            <a:ext cx="1800493" cy="523220"/>
+          </a:xfrm>
+          <a:prstGeom prst="rect">
+            <a:avLst/>
+          </a:prstGeom>
+          <a:noFill/>
+        </p:spPr>
+        <p:txBody>
+          <a:bodyPr wrap="none" rtlCol="0">
+            <a:spAutoFit/>
+          </a:bodyPr>
+          <a:lstStyle/>
+          <a:p>
+            <a:r>
+              <a:rPr lang="ja-JP" altLang="en-US" sz="1400" dirty="0" smtClean="0"/>
+              <a:t>浮動</a:t>
+            </a:r>
+            <a:r>
+              <a:rPr lang="ja-JP" altLang="en-US" sz="1400" dirty="0"/>
+              <a:t>小</a:t>
+            </a:r>
+            <a:r>
+              <a:rPr lang="ja-JP" altLang="en-US" sz="1400" dirty="0" smtClean="0"/>
+              <a:t>数</a:t>
+            </a:r>
+            <a:r>
+              <a:rPr lang="ja-JP" altLang="en-US" sz="1400" dirty="0"/>
+              <a:t>点</a:t>
+            </a:r>
+            <a:r>
+              <a:rPr lang="ja-JP" altLang="en-US" sz="1400" dirty="0" smtClean="0"/>
+              <a:t>レジスタ</a:t>
+            </a:r>
+            <a:endParaRPr lang="en-US" altLang="ja-JP" sz="1400" dirty="0" smtClean="0"/>
+          </a:p>
+          <a:p>
+            <a:r>
+              <a:rPr kumimoji="1" lang="ja-JP" altLang="en-US" sz="1400" dirty="0" smtClean="0"/>
+              <a:t>しか受け付けない</a:t>
+            </a:r>
+            <a:endParaRPr kumimoji="1" lang="ja-JP" altLang="en-US" sz="1400" dirty="0"/>
+          </a:p>
+        </p:txBody>
+      </p:sp>
+      <p:sp>
+        <p:nvSpPr>
+          <p:cNvPr id="14" name="上下矢印 13"/>
+          <p:cNvSpPr/>
+          <p:nvPr/>
+        </p:nvSpPr>
+        <p:spPr>
+          <a:xfrm rot="18317732">
+            <a:off x="4036061" y="3765030"/>
+            <a:ext cx="280031" cy="2360587"/>
+          </a:xfrm>
+          <a:prstGeom prst="upDownArrow">
+            <a:avLst/>
+          </a:prstGeom>
+          <a:solidFill>
+            <a:schemeClr val="accent2"/>
+          </a:solidFill>
+          <a:ln>
+            <a:solidFill>
+              <a:schemeClr val="tx1"/>
+            </a:solidFill>
+          </a:ln>
+        </p:spPr>
+        <p:style>
+          <a:lnRef idx="2">
+            <a:schemeClr val="accent1">
+              <a:shade val="50000"/>
+            </a:schemeClr>
+          </a:lnRef>
+          <a:fillRef idx="1">
+            <a:schemeClr val="accent1"/>
+          </a:fillRef>
+          <a:effectRef idx="0">
+            <a:schemeClr val="accent1"/>
+          </a:effectRef>
+          <a:fontRef idx="minor">
+            <a:schemeClr val="lt1"/>
+          </a:fontRef>
+        </p:style>
+        <p:txBody>
+          <a:bodyPr rtlCol="0" anchor="ctr"/>
+          <a:lstStyle/>
+          <a:p>
+            <a:pPr algn="ctr"/>
+            <a:endParaRPr kumimoji="1" lang="ja-JP" altLang="en-US"/>
+          </a:p>
+        </p:txBody>
+      </p:sp>
+      <p:sp>
+        <p:nvSpPr>
+          <p:cNvPr id="18" name="上下矢印 17"/>
+          <p:cNvSpPr/>
+          <p:nvPr/>
+        </p:nvSpPr>
+        <p:spPr>
+          <a:xfrm rot="3301484">
+            <a:off x="4032664" y="3760087"/>
+            <a:ext cx="280031" cy="2360587"/>
+          </a:xfrm>
+          <a:prstGeom prst="upDownArrow">
+            <a:avLst/>
+          </a:prstGeom>
+          <a:solidFill>
+            <a:schemeClr val="accent2"/>
+          </a:solidFill>
+          <a:ln>
+            <a:solidFill>
+              <a:schemeClr val="tx1"/>
+            </a:solidFill>
+          </a:ln>
+        </p:spPr>
+        <p:style>
+          <a:lnRef idx="2">
+            <a:schemeClr val="accent1">
+              <a:shade val="50000"/>
+            </a:schemeClr>
+          </a:lnRef>
+          <a:fillRef idx="1">
+            <a:schemeClr val="accent1"/>
+          </a:fillRef>
+          <a:effectRef idx="0">
+            <a:schemeClr val="accent1"/>
+          </a:effectRef>
+          <a:fontRef idx="minor">
+            <a:schemeClr val="lt1"/>
+          </a:fontRef>
+        </p:style>
+        <p:txBody>
+          <a:bodyPr rtlCol="0" anchor="ctr"/>
+          <a:lstStyle/>
+          <a:p>
+            <a:pPr algn="ctr"/>
+            <a:endParaRPr kumimoji="1" lang="ja-JP" altLang="en-US"/>
+          </a:p>
+        </p:txBody>
+      </p:sp>
+      <p:pic>
+        <p:nvPicPr>
+          <p:cNvPr id="2052" name="Picture 4" descr="バツのマークのイラスト「×」"/>
+          <p:cNvPicPr>
+            <a:picLocks noChangeAspect="1" noChangeArrowheads="1"/>
+          </p:cNvPicPr>
+          <p:nvPr/>
+        </p:nvPicPr>
+        <p:blipFill>
+          <a:blip r:embed="rId6" cstate="print">
+            <a:extLst>
+              <a:ext uri="{28A0092B-C50C-407E-A947-70E740481C1C}">
+                <a14:useLocalDpi xmlns:a14="http://schemas.microsoft.com/office/drawing/2010/main" val="0"/>
+              </a:ext>
+            </a:extLst>
+          </a:blip>
+          <a:srcRect/>
+          <a:stretch>
+            <a:fillRect/>
+          </a:stretch>
+        </p:blipFill>
+        <p:spPr bwMode="auto">
+          <a:xfrm>
+            <a:off x="3707904" y="4509120"/>
+            <a:ext cx="936104" cy="936104"/>
+          </a:xfrm>
+          <a:prstGeom prst="rect">
+            <a:avLst/>
+          </a:prstGeom>
+          <a:noFill/>
+          <a:extLst>
+            <a:ext uri="{909E8E84-426E-40DD-AFC4-6F175D3DCCD1}">
+              <a14:hiddenFill xmlns:a14="http://schemas.microsoft.com/office/drawing/2010/main">
+                <a:solidFill>
+                  <a:srgbClr val="FFFFFF"/>
+                </a:solidFill>
+              </a14:hiddenFill>
+            </a:ext>
+          </a:extLst>
+        </p:spPr>
+      </p:pic>
+    </p:spTree>
+    <p:extLst>
+      <p:ext uri="{BB962C8B-B14F-4D97-AF65-F5344CB8AC3E}">
+        <p14:creationId xmlns:p14="http://schemas.microsoft.com/office/powerpoint/2010/main" val="2922538896"/>
+      </p:ext>
+    </p:extLst>
+  </p:cSld>
+  <p:clrMapOvr>
+    <a:masterClrMapping/>
+  </p:clrMapOvr>
+</p:sld>
+</file>
+
+<file path=ppt/slides/slide7.xml><?xml version="1.0" encoding="utf-8"?>
+<p:sld xmlns:a="http://schemas.openxmlformats.org/drawingml/2006/main" xmlns:r="http://schemas.openxmlformats.org/officeDocument/2006/relationships" xmlns:p="http://schemas.openxmlformats.org/presentationml/2006/main">
+  <p:cSld>
+    <p:spTree>
+      <p:nvGrpSpPr>
+        <p:cNvPr id="1" name=""/>
+        <p:cNvGrpSpPr/>
+        <p:nvPr/>
+      </p:nvGrpSpPr>
+      <p:grpSpPr>
+        <a:xfrm>
+          <a:off x="0" y="0"/>
+          <a:ext cx="0" cy="0"/>
+          <a:chOff x="0" y="0"/>
+          <a:chExt cx="0" cy="0"/>
+        </a:xfrm>
+      </p:grpSpPr>
+      <p:sp>
+        <p:nvSpPr>
+          <p:cNvPr id="2" name="テキスト プレースホルダー 1"/>
+          <p:cNvSpPr>
+            <a:spLocks noGrp="1"/>
+          </p:cNvSpPr>
+          <p:nvPr>
+            <p:ph type="body" sz="quarter" idx="10"/>
+          </p:nvPr>
+        </p:nvSpPr>
+        <p:spPr/>
+        <p:txBody>
+          <a:bodyPr/>
+          <a:lstStyle/>
+          <a:p>
+            <a:r>
+              <a:rPr lang="ja-JP" altLang="en-US" dirty="0" smtClean="0"/>
+              <a:t>計算機の仕組み</a:t>
+            </a:r>
+            <a:endParaRPr kumimoji="1" lang="ja-JP" altLang="en-US" dirty="0"/>
+          </a:p>
+        </p:txBody>
+      </p:sp>
+      <p:sp>
+        <p:nvSpPr>
+          <p:cNvPr id="3" name="テキスト ボックス 2"/>
+          <p:cNvSpPr txBox="1"/>
+          <p:nvPr/>
+        </p:nvSpPr>
+        <p:spPr>
+          <a:xfrm>
+            <a:off x="755576" y="1124744"/>
+            <a:ext cx="7037504" cy="1077218"/>
+          </a:xfrm>
+          <a:prstGeom prst="rect">
+            <a:avLst/>
+          </a:prstGeom>
+          <a:noFill/>
+        </p:spPr>
+        <p:txBody>
+          <a:bodyPr wrap="none" rtlCol="0">
+            <a:spAutoFit/>
+          </a:bodyPr>
+          <a:lstStyle/>
+          <a:p>
+            <a:r>
+              <a:rPr kumimoji="1" lang="ja-JP" altLang="en-US" sz="3200" dirty="0" smtClean="0"/>
+              <a:t>レジスタには</a:t>
+            </a:r>
+            <a:r>
+              <a:rPr kumimoji="1" lang="ja-JP" altLang="en-US" sz="3200" dirty="0" smtClean="0">
+                <a:solidFill>
+                  <a:srgbClr val="011893"/>
+                </a:solidFill>
+              </a:rPr>
+              <a:t>長さ</a:t>
+            </a:r>
+            <a:r>
+              <a:rPr kumimoji="1" lang="ja-JP" altLang="en-US" sz="3200" dirty="0" smtClean="0"/>
+              <a:t>がある</a:t>
+            </a:r>
+            <a:endParaRPr kumimoji="1" lang="en-US" altLang="ja-JP" sz="3200" dirty="0" smtClean="0"/>
+          </a:p>
+          <a:p>
+            <a:r>
+              <a:rPr lang="ja-JP" altLang="en-US" sz="3200" dirty="0" smtClean="0"/>
+              <a:t>レジスタの長さは</a:t>
+            </a:r>
+            <a:r>
+              <a:rPr lang="ja-JP" altLang="en-US" sz="3200" dirty="0" smtClean="0">
+                <a:solidFill>
+                  <a:srgbClr val="011893"/>
+                </a:solidFill>
+              </a:rPr>
+              <a:t>ビット数</a:t>
+            </a:r>
+            <a:r>
+              <a:rPr lang="en-US" altLang="ja-JP" sz="3200" dirty="0" smtClean="0"/>
+              <a:t>(bit)</a:t>
+            </a:r>
+            <a:r>
+              <a:rPr lang="ja-JP" altLang="en-US" sz="3200" dirty="0" smtClean="0"/>
+              <a:t>で表す</a:t>
+            </a:r>
+            <a:endParaRPr lang="en-US" altLang="ja-JP" sz="3200" dirty="0" smtClean="0"/>
+          </a:p>
+        </p:txBody>
+      </p:sp>
+      <p:grpSp>
+        <p:nvGrpSpPr>
+          <p:cNvPr id="9" name="グループ化 8"/>
+          <p:cNvGrpSpPr/>
+          <p:nvPr/>
+        </p:nvGrpSpPr>
+        <p:grpSpPr>
+          <a:xfrm>
+            <a:off x="4716016" y="2708920"/>
+            <a:ext cx="2592288" cy="1807401"/>
+            <a:chOff x="4716016" y="3284984"/>
+            <a:chExt cx="2592288" cy="1807401"/>
+          </a:xfrm>
+        </p:grpSpPr>
+        <p:pic>
+          <p:nvPicPr>
+            <p:cNvPr id="4" name="Picture 2" descr="木製パレットのイラスト（荷台）"/>
+            <p:cNvPicPr>
+              <a:picLocks noChangeAspect="1" noChangeArrowheads="1"/>
+            </p:cNvPicPr>
+            <p:nvPr/>
+          </p:nvPicPr>
+          <p:blipFill>
+            <a:blip r:embed="rId3">
+              <a:extLst>
+                <a:ext uri="{28A0092B-C50C-407E-A947-70E740481C1C}">
+                  <a14:useLocalDpi xmlns:a14="http://schemas.microsoft.com/office/drawing/2010/main" val="0"/>
+                </a:ext>
+              </a:extLst>
+            </a:blip>
+            <a:srcRect/>
+            <a:stretch>
+              <a:fillRect/>
+            </a:stretch>
+          </p:blipFill>
+          <p:spPr bwMode="auto">
+            <a:xfrm>
+              <a:off x="4716016" y="3284984"/>
+              <a:ext cx="1728192" cy="1447361"/>
+            </a:xfrm>
+            <a:prstGeom prst="rect">
+              <a:avLst/>
+            </a:prstGeom>
+            <a:noFill/>
+            <a:extLst>
+              <a:ext uri="{909E8E84-426E-40DD-AFC4-6F175D3DCCD1}">
+                <a14:hiddenFill xmlns:a14="http://schemas.microsoft.com/office/drawing/2010/main">
+                  <a:solidFill>
+                    <a:srgbClr val="FFFFFF"/>
+                  </a:solidFill>
+                </a14:hiddenFill>
+              </a:ext>
+            </a:extLst>
+          </p:spPr>
+        </p:pic>
+        <p:pic>
+          <p:nvPicPr>
+            <p:cNvPr id="5" name="Picture 2" descr="木製パレットのイラスト（荷台）"/>
+            <p:cNvPicPr>
+              <a:picLocks noChangeAspect="1" noChangeArrowheads="1"/>
+            </p:cNvPicPr>
+            <p:nvPr/>
+          </p:nvPicPr>
+          <p:blipFill>
+            <a:blip r:embed="rId3">
+              <a:extLst>
+                <a:ext uri="{28A0092B-C50C-407E-A947-70E740481C1C}">
+                  <a14:useLocalDpi xmlns:a14="http://schemas.microsoft.com/office/drawing/2010/main" val="0"/>
+                </a:ext>
+              </a:extLst>
+            </a:blip>
+            <a:srcRect/>
+            <a:stretch>
+              <a:fillRect/>
+            </a:stretch>
+          </p:blipFill>
+          <p:spPr bwMode="auto">
+            <a:xfrm>
+              <a:off x="5580112" y="3645024"/>
+              <a:ext cx="1728192" cy="1447361"/>
+            </a:xfrm>
+            <a:prstGeom prst="rect">
+              <a:avLst/>
+            </a:prstGeom>
+            <a:noFill/>
+            <a:extLst>
+              <a:ext uri="{909E8E84-426E-40DD-AFC4-6F175D3DCCD1}">
+                <a14:hiddenFill xmlns:a14="http://schemas.microsoft.com/office/drawing/2010/main">
+                  <a:solidFill>
+                    <a:srgbClr val="FFFFFF"/>
+                  </a:solidFill>
+                </a14:hiddenFill>
+              </a:ext>
+            </a:extLst>
+          </p:spPr>
+        </p:pic>
+      </p:grpSp>
+      <p:pic>
+        <p:nvPicPr>
+          <p:cNvPr id="6" name="Picture 2" descr="木製パレットのイラスト（荷台）"/>
+          <p:cNvPicPr>
+            <a:picLocks noChangeAspect="1" noChangeArrowheads="1"/>
+          </p:cNvPicPr>
+          <p:nvPr/>
+        </p:nvPicPr>
+        <p:blipFill>
+          <a:blip r:embed="rId3">
+            <a:extLst>
+              <a:ext uri="{28A0092B-C50C-407E-A947-70E740481C1C}">
+                <a14:useLocalDpi xmlns:a14="http://schemas.microsoft.com/office/drawing/2010/main" val="0"/>
+              </a:ext>
+            </a:extLst>
+          </a:blip>
+          <a:srcRect/>
+          <a:stretch>
+            <a:fillRect/>
+          </a:stretch>
+        </p:blipFill>
+        <p:spPr bwMode="auto">
+          <a:xfrm>
+            <a:off x="1547664" y="2852936"/>
+            <a:ext cx="1728192" cy="1447361"/>
+          </a:xfrm>
+          <a:prstGeom prst="rect">
+            <a:avLst/>
+          </a:prstGeom>
+          <a:noFill/>
+          <a:extLst>
+            <a:ext uri="{909E8E84-426E-40DD-AFC4-6F175D3DCCD1}">
+              <a14:hiddenFill xmlns:a14="http://schemas.microsoft.com/office/drawing/2010/main">
+                <a:solidFill>
+                  <a:srgbClr val="FFFFFF"/>
+                </a:solidFill>
+              </a14:hiddenFill>
+            </a:ext>
+          </a:extLst>
+        </p:spPr>
+      </p:pic>
+      <p:sp>
+        <p:nvSpPr>
+          <p:cNvPr id="7" name="テキスト ボックス 6"/>
+          <p:cNvSpPr txBox="1"/>
+          <p:nvPr/>
+        </p:nvSpPr>
+        <p:spPr>
+          <a:xfrm>
+            <a:off x="1187624" y="2348880"/>
+            <a:ext cx="2646878" cy="461665"/>
+          </a:xfrm>
+          <a:prstGeom prst="rect">
+            <a:avLst/>
+          </a:prstGeom>
+          <a:noFill/>
+        </p:spPr>
+        <p:txBody>
+          <a:bodyPr wrap="none" rtlCol="0">
+            <a:spAutoFit/>
+          </a:bodyPr>
+          <a:lstStyle/>
+          <a:p>
+            <a:r>
+              <a:rPr kumimoji="1" lang="en-US" altLang="ja-JP" sz="2400" dirty="0" smtClean="0"/>
+              <a:t>32</a:t>
+            </a:r>
+            <a:r>
+              <a:rPr kumimoji="1" lang="ja-JP" altLang="en-US" sz="2400" dirty="0" smtClean="0"/>
+              <a:t>ビットレジスタ</a:t>
+            </a:r>
+            <a:endParaRPr kumimoji="1" lang="ja-JP" altLang="en-US" sz="2400" dirty="0"/>
+          </a:p>
+        </p:txBody>
+      </p:sp>
+      <p:sp>
+        <p:nvSpPr>
+          <p:cNvPr id="8" name="テキスト ボックス 7"/>
+          <p:cNvSpPr txBox="1"/>
+          <p:nvPr/>
+        </p:nvSpPr>
+        <p:spPr>
+          <a:xfrm>
+            <a:off x="4572000" y="2348880"/>
+            <a:ext cx="2646878" cy="461665"/>
+          </a:xfrm>
+          <a:prstGeom prst="rect">
+            <a:avLst/>
+          </a:prstGeom>
+          <a:noFill/>
+        </p:spPr>
+        <p:txBody>
+          <a:bodyPr wrap="none" rtlCol="0">
+            <a:spAutoFit/>
+          </a:bodyPr>
+          <a:lstStyle/>
+          <a:p>
+            <a:r>
+              <a:rPr kumimoji="1" lang="en-US" altLang="ja-JP" sz="2400" dirty="0" smtClean="0"/>
+              <a:t>64</a:t>
+            </a:r>
+            <a:r>
+              <a:rPr kumimoji="1" lang="ja-JP" altLang="en-US" sz="2400" dirty="0" smtClean="0"/>
+              <a:t>ビットレジスタ</a:t>
+            </a:r>
+            <a:endParaRPr kumimoji="1" lang="ja-JP" altLang="en-US" sz="2400" dirty="0"/>
+          </a:p>
+        </p:txBody>
+      </p:sp>
+      <p:sp>
+        <p:nvSpPr>
+          <p:cNvPr id="10" name="テキスト ボックス 9"/>
+          <p:cNvSpPr txBox="1"/>
+          <p:nvPr/>
+        </p:nvSpPr>
+        <p:spPr>
+          <a:xfrm>
+            <a:off x="1043608" y="4437112"/>
+            <a:ext cx="6647974" cy="830997"/>
+          </a:xfrm>
+          <a:prstGeom prst="rect">
+            <a:avLst/>
+          </a:prstGeom>
+          <a:noFill/>
+        </p:spPr>
+        <p:txBody>
+          <a:bodyPr wrap="none" rtlCol="0">
+            <a:spAutoFit/>
+          </a:bodyPr>
+          <a:lstStyle/>
+          <a:p>
+            <a:r>
+              <a:rPr lang="ja-JP" altLang="en-US" sz="2400" dirty="0" smtClean="0"/>
+              <a:t>ハードウェアやソフトウェアの「ビット数」は</a:t>
+            </a:r>
+            <a:endParaRPr lang="en-US" altLang="ja-JP" sz="2400" dirty="0" smtClean="0"/>
+          </a:p>
+          <a:p>
+            <a:r>
+              <a:rPr lang="ja-JP" altLang="en-US" sz="2400" dirty="0" smtClean="0"/>
+              <a:t>対応する</a:t>
+            </a:r>
+            <a:r>
+              <a:rPr lang="ja-JP" altLang="en-US" sz="2400" dirty="0" smtClean="0">
+                <a:solidFill>
+                  <a:srgbClr val="011893"/>
+                </a:solidFill>
+              </a:rPr>
+              <a:t>整数レジスタ</a:t>
+            </a:r>
+            <a:r>
+              <a:rPr lang="ja-JP" altLang="en-US" sz="2400" dirty="0" smtClean="0"/>
+              <a:t>のビット数で決まる</a:t>
+            </a:r>
+            <a:endParaRPr kumimoji="1" lang="ja-JP" altLang="en-US" sz="2400" dirty="0"/>
+          </a:p>
+        </p:txBody>
+      </p:sp>
+      <p:sp>
+        <p:nvSpPr>
+          <p:cNvPr id="11" name="テキスト ボックス 10"/>
+          <p:cNvSpPr txBox="1"/>
+          <p:nvPr/>
+        </p:nvSpPr>
+        <p:spPr>
+          <a:xfrm>
+            <a:off x="179512" y="5733256"/>
+            <a:ext cx="1338828" cy="369332"/>
+          </a:xfrm>
+          <a:prstGeom prst="rect">
+            <a:avLst/>
+          </a:prstGeom>
+          <a:noFill/>
+        </p:spPr>
+        <p:txBody>
+          <a:bodyPr wrap="none" rtlCol="0">
+            <a:spAutoFit/>
+          </a:bodyPr>
+          <a:lstStyle/>
+          <a:p>
+            <a:r>
+              <a:rPr lang="ja-JP" altLang="en-US" dirty="0"/>
+              <a:t>ファミコン</a:t>
+            </a:r>
+            <a:endParaRPr kumimoji="1" lang="ja-JP" altLang="en-US" dirty="0"/>
+          </a:p>
+        </p:txBody>
+      </p:sp>
+      <p:sp>
+        <p:nvSpPr>
+          <p:cNvPr id="12" name="テキスト ボックス 11"/>
+          <p:cNvSpPr txBox="1"/>
+          <p:nvPr/>
+        </p:nvSpPr>
+        <p:spPr>
+          <a:xfrm>
+            <a:off x="323528" y="6093296"/>
+            <a:ext cx="992579" cy="369332"/>
+          </a:xfrm>
+          <a:prstGeom prst="rect">
+            <a:avLst/>
+          </a:prstGeom>
+          <a:noFill/>
+        </p:spPr>
+        <p:txBody>
+          <a:bodyPr wrap="none" rtlCol="0">
+            <a:spAutoFit/>
+          </a:bodyPr>
+          <a:lstStyle/>
+          <a:p>
+            <a:r>
+              <a:rPr kumimoji="1" lang="en-US" altLang="ja-JP" dirty="0" smtClean="0"/>
+              <a:t>8</a:t>
+            </a:r>
+            <a:r>
+              <a:rPr kumimoji="1" lang="ja-JP" altLang="en-US" dirty="0" smtClean="0"/>
+              <a:t>ビット</a:t>
+            </a:r>
+            <a:endParaRPr kumimoji="1" lang="ja-JP" altLang="en-US" dirty="0"/>
+          </a:p>
+        </p:txBody>
+      </p:sp>
+      <p:sp>
+        <p:nvSpPr>
+          <p:cNvPr id="13" name="テキスト ボックス 12"/>
+          <p:cNvSpPr txBox="1"/>
+          <p:nvPr/>
+        </p:nvSpPr>
+        <p:spPr>
+          <a:xfrm>
+            <a:off x="2123728" y="5733256"/>
+            <a:ext cx="1338828" cy="369332"/>
+          </a:xfrm>
+          <a:prstGeom prst="rect">
+            <a:avLst/>
+          </a:prstGeom>
+          <a:noFill/>
+        </p:spPr>
+        <p:txBody>
+          <a:bodyPr wrap="none" rtlCol="0">
+            <a:spAutoFit/>
+          </a:bodyPr>
+          <a:lstStyle/>
+          <a:p>
+            <a:r>
+              <a:rPr lang="ja-JP" altLang="en-US" dirty="0" smtClean="0"/>
+              <a:t>スーファミ</a:t>
+            </a:r>
+            <a:endParaRPr kumimoji="1" lang="ja-JP" altLang="en-US" dirty="0"/>
+          </a:p>
+        </p:txBody>
+      </p:sp>
+      <p:sp>
+        <p:nvSpPr>
+          <p:cNvPr id="14" name="テキスト ボックス 13"/>
+          <p:cNvSpPr txBox="1"/>
+          <p:nvPr/>
+        </p:nvSpPr>
+        <p:spPr>
+          <a:xfrm>
+            <a:off x="2238708" y="6093296"/>
+            <a:ext cx="1107996" cy="369332"/>
+          </a:xfrm>
+          <a:prstGeom prst="rect">
+            <a:avLst/>
+          </a:prstGeom>
+          <a:noFill/>
+        </p:spPr>
+        <p:txBody>
+          <a:bodyPr wrap="none" rtlCol="0">
+            <a:spAutoFit/>
+          </a:bodyPr>
+          <a:lstStyle/>
+          <a:p>
+            <a:r>
+              <a:rPr kumimoji="1" lang="en-US" altLang="ja-JP" dirty="0" smtClean="0"/>
+              <a:t>16</a:t>
+            </a:r>
+            <a:r>
+              <a:rPr kumimoji="1" lang="ja-JP" altLang="en-US" dirty="0" smtClean="0"/>
+              <a:t>ビット</a:t>
+            </a:r>
+            <a:endParaRPr kumimoji="1" lang="ja-JP" altLang="en-US" dirty="0"/>
+          </a:p>
+        </p:txBody>
+      </p:sp>
+      <p:sp>
+        <p:nvSpPr>
+          <p:cNvPr id="15" name="テキスト ボックス 14"/>
+          <p:cNvSpPr txBox="1"/>
+          <p:nvPr/>
+        </p:nvSpPr>
+        <p:spPr>
+          <a:xfrm>
+            <a:off x="4184664" y="5733256"/>
+            <a:ext cx="1107996" cy="369332"/>
+          </a:xfrm>
+          <a:prstGeom prst="rect">
+            <a:avLst/>
+          </a:prstGeom>
+          <a:noFill/>
+        </p:spPr>
+        <p:txBody>
+          <a:bodyPr wrap="none" rtlCol="0">
+            <a:spAutoFit/>
+          </a:bodyPr>
+          <a:lstStyle/>
+          <a:p>
+            <a:r>
+              <a:rPr lang="ja-JP" altLang="en-US" dirty="0"/>
+              <a:t>プレステ</a:t>
+            </a:r>
+            <a:endParaRPr kumimoji="1" lang="ja-JP" altLang="en-US" dirty="0"/>
+          </a:p>
+        </p:txBody>
+      </p:sp>
+      <p:sp>
+        <p:nvSpPr>
+          <p:cNvPr id="16" name="テキスト ボックス 15"/>
+          <p:cNvSpPr txBox="1"/>
+          <p:nvPr/>
+        </p:nvSpPr>
+        <p:spPr>
+          <a:xfrm>
+            <a:off x="4211960" y="6093296"/>
+            <a:ext cx="1107996" cy="369332"/>
+          </a:xfrm>
+          <a:prstGeom prst="rect">
+            <a:avLst/>
+          </a:prstGeom>
+          <a:noFill/>
+        </p:spPr>
+        <p:txBody>
+          <a:bodyPr wrap="none" rtlCol="0">
+            <a:spAutoFit/>
+          </a:bodyPr>
+          <a:lstStyle/>
+          <a:p>
+            <a:r>
+              <a:rPr kumimoji="1" lang="en-US" altLang="ja-JP" dirty="0" smtClean="0"/>
+              <a:t>32</a:t>
+            </a:r>
+            <a:r>
+              <a:rPr kumimoji="1" lang="ja-JP" altLang="en-US" dirty="0" smtClean="0"/>
+              <a:t>ビット</a:t>
+            </a:r>
+            <a:endParaRPr kumimoji="1" lang="ja-JP" altLang="en-US" dirty="0"/>
+          </a:p>
+        </p:txBody>
+      </p:sp>
+      <p:sp>
+        <p:nvSpPr>
+          <p:cNvPr id="17" name="テキスト ボックス 16"/>
+          <p:cNvSpPr txBox="1"/>
+          <p:nvPr/>
+        </p:nvSpPr>
+        <p:spPr>
+          <a:xfrm>
+            <a:off x="5956408" y="5733256"/>
+            <a:ext cx="1927960" cy="369332"/>
+          </a:xfrm>
+          <a:prstGeom prst="rect">
+            <a:avLst/>
+          </a:prstGeom>
+          <a:noFill/>
+        </p:spPr>
+        <p:txBody>
+          <a:bodyPr wrap="square" rtlCol="0">
+            <a:spAutoFit/>
+          </a:bodyPr>
+          <a:lstStyle/>
+          <a:p>
+            <a:r>
+              <a:rPr lang="en-US" altLang="ja-JP" dirty="0" smtClean="0"/>
+              <a:t>NINTENDO64</a:t>
+            </a:r>
+            <a:endParaRPr kumimoji="1" lang="ja-JP" altLang="en-US" dirty="0"/>
+          </a:p>
+        </p:txBody>
+      </p:sp>
+      <p:sp>
+        <p:nvSpPr>
+          <p:cNvPr id="18" name="テキスト ボックス 17"/>
+          <p:cNvSpPr txBox="1"/>
+          <p:nvPr/>
+        </p:nvSpPr>
+        <p:spPr>
+          <a:xfrm>
+            <a:off x="6212392" y="6093296"/>
+            <a:ext cx="1167920" cy="369332"/>
+          </a:xfrm>
+          <a:prstGeom prst="rect">
+            <a:avLst/>
+          </a:prstGeom>
+          <a:noFill/>
+        </p:spPr>
+        <p:txBody>
+          <a:bodyPr wrap="square" rtlCol="0">
+            <a:spAutoFit/>
+          </a:bodyPr>
+          <a:lstStyle/>
+          <a:p>
+            <a:r>
+              <a:rPr lang="en-US" altLang="ja-JP" dirty="0" smtClean="0"/>
+              <a:t>64</a:t>
+            </a:r>
+            <a:r>
+              <a:rPr kumimoji="1" lang="ja-JP" altLang="en-US" dirty="0" smtClean="0"/>
+              <a:t>ビット</a:t>
+            </a:r>
+            <a:endParaRPr kumimoji="1" lang="ja-JP" altLang="en-US" dirty="0"/>
+          </a:p>
+        </p:txBody>
+      </p:sp>
+      <p:sp>
+        <p:nvSpPr>
+          <p:cNvPr id="19" name="右矢印 18"/>
+          <p:cNvSpPr/>
+          <p:nvPr/>
+        </p:nvSpPr>
+        <p:spPr>
+          <a:xfrm>
+            <a:off x="1619672" y="5877272"/>
+            <a:ext cx="360040" cy="412624"/>
+          </a:xfrm>
+          <a:prstGeom prst="rightArrow">
+            <a:avLst/>
+          </a:prstGeom>
+          <a:solidFill>
+            <a:srgbClr val="FF0000"/>
+          </a:solidFill>
+          <a:ln>
+            <a:solidFill>
+              <a:schemeClr val="tx1"/>
+            </a:solidFill>
+          </a:ln>
+        </p:spPr>
+        <p:style>
+          <a:lnRef idx="2">
+            <a:schemeClr val="accent1">
+              <a:shade val="50000"/>
+            </a:schemeClr>
+          </a:lnRef>
+          <a:fillRef idx="1">
+            <a:schemeClr val="accent1"/>
+          </a:fillRef>
+          <a:effectRef idx="0">
+            <a:schemeClr val="accent1"/>
+          </a:effectRef>
+          <a:fontRef idx="minor">
+            <a:schemeClr val="lt1"/>
+          </a:fontRef>
+        </p:style>
+        <p:txBody>
+          <a:bodyPr rtlCol="0" anchor="ctr"/>
+          <a:lstStyle/>
+          <a:p>
+            <a:pPr algn="ctr"/>
+            <a:endParaRPr kumimoji="1" lang="ja-JP" altLang="en-US"/>
+          </a:p>
+        </p:txBody>
+      </p:sp>
+      <p:sp>
+        <p:nvSpPr>
+          <p:cNvPr id="20" name="右矢印 19"/>
+          <p:cNvSpPr/>
+          <p:nvPr/>
+        </p:nvSpPr>
+        <p:spPr>
+          <a:xfrm>
+            <a:off x="3635896" y="5877272"/>
+            <a:ext cx="360040" cy="412624"/>
+          </a:xfrm>
+          <a:prstGeom prst="rightArrow">
+            <a:avLst/>
+          </a:prstGeom>
+          <a:solidFill>
+            <a:srgbClr val="FF0000"/>
+          </a:solidFill>
+          <a:ln>
+            <a:solidFill>
+              <a:schemeClr val="tx1"/>
+            </a:solidFill>
+          </a:ln>
+        </p:spPr>
+        <p:style>
+          <a:lnRef idx="2">
+            <a:schemeClr val="accent1">
+              <a:shade val="50000"/>
+            </a:schemeClr>
+          </a:lnRef>
+          <a:fillRef idx="1">
+            <a:schemeClr val="accent1"/>
+          </a:fillRef>
+          <a:effectRef idx="0">
+            <a:schemeClr val="accent1"/>
+          </a:effectRef>
+          <a:fontRef idx="minor">
+            <a:schemeClr val="lt1"/>
+          </a:fontRef>
+        </p:style>
+        <p:txBody>
+          <a:bodyPr rtlCol="0" anchor="ctr"/>
+          <a:lstStyle/>
+          <a:p>
+            <a:pPr algn="ctr"/>
+            <a:endParaRPr kumimoji="1" lang="ja-JP" altLang="en-US"/>
+          </a:p>
+        </p:txBody>
+      </p:sp>
+      <p:sp>
+        <p:nvSpPr>
+          <p:cNvPr id="21" name="右矢印 20"/>
+          <p:cNvSpPr/>
+          <p:nvPr/>
+        </p:nvSpPr>
+        <p:spPr>
+          <a:xfrm>
+            <a:off x="5436096" y="5877272"/>
+            <a:ext cx="360040" cy="412624"/>
+          </a:xfrm>
+          <a:prstGeom prst="rightArrow">
+            <a:avLst/>
+          </a:prstGeom>
+          <a:solidFill>
+            <a:srgbClr val="FF0000"/>
+          </a:solidFill>
+          <a:ln>
+            <a:solidFill>
+              <a:schemeClr val="tx1"/>
+            </a:solidFill>
+          </a:ln>
+        </p:spPr>
+        <p:style>
+          <a:lnRef idx="2">
+            <a:schemeClr val="accent1">
+              <a:shade val="50000"/>
+            </a:schemeClr>
+          </a:lnRef>
+          <a:fillRef idx="1">
+            <a:schemeClr val="accent1"/>
+          </a:fillRef>
+          <a:effectRef idx="0">
+            <a:schemeClr val="accent1"/>
+          </a:effectRef>
+          <a:fontRef idx="minor">
+            <a:schemeClr val="lt1"/>
+          </a:fontRef>
+        </p:style>
+        <p:txBody>
+          <a:bodyPr rtlCol="0" anchor="ctr"/>
+          <a:lstStyle/>
+          <a:p>
+            <a:pPr algn="ctr"/>
+            <a:endParaRPr kumimoji="1" lang="ja-JP" altLang="en-US"/>
+          </a:p>
+        </p:txBody>
+      </p:sp>
+      <p:sp>
+        <p:nvSpPr>
+          <p:cNvPr id="22" name="右矢印 21"/>
+          <p:cNvSpPr/>
+          <p:nvPr/>
+        </p:nvSpPr>
+        <p:spPr>
+          <a:xfrm>
+            <a:off x="7668344" y="5877272"/>
+            <a:ext cx="360040" cy="412624"/>
+          </a:xfrm>
+          <a:prstGeom prst="rightArrow">
+            <a:avLst/>
+          </a:prstGeom>
+          <a:solidFill>
+            <a:srgbClr val="FF0000"/>
+          </a:solidFill>
+          <a:ln>
+            <a:solidFill>
+              <a:schemeClr val="tx1"/>
+            </a:solidFill>
+          </a:ln>
+        </p:spPr>
+        <p:style>
+          <a:lnRef idx="2">
+            <a:schemeClr val="accent1">
+              <a:shade val="50000"/>
+            </a:schemeClr>
+          </a:lnRef>
+          <a:fillRef idx="1">
+            <a:schemeClr val="accent1"/>
+          </a:fillRef>
+          <a:effectRef idx="0">
+            <a:schemeClr val="accent1"/>
+          </a:effectRef>
+          <a:fontRef idx="minor">
+            <a:schemeClr val="lt1"/>
+          </a:fontRef>
+        </p:style>
+        <p:txBody>
+          <a:bodyPr rtlCol="0" anchor="ctr"/>
+          <a:lstStyle/>
+          <a:p>
+            <a:pPr algn="ctr"/>
+            <a:endParaRPr kumimoji="1" lang="ja-JP" altLang="en-US"/>
+          </a:p>
+        </p:txBody>
+      </p:sp>
+      <p:sp>
+        <p:nvSpPr>
+          <p:cNvPr id="23" name="テキスト ボックス 22"/>
+          <p:cNvSpPr txBox="1"/>
+          <p:nvPr/>
+        </p:nvSpPr>
+        <p:spPr>
+          <a:xfrm>
+            <a:off x="8100392" y="5877272"/>
+            <a:ext cx="936104" cy="369332"/>
+          </a:xfrm>
+          <a:prstGeom prst="rect">
+            <a:avLst/>
+          </a:prstGeom>
+          <a:noFill/>
+        </p:spPr>
+        <p:txBody>
+          <a:bodyPr wrap="square" rtlCol="0">
+            <a:spAutoFit/>
+          </a:bodyPr>
+          <a:lstStyle/>
+          <a:p>
+            <a:r>
+              <a:rPr kumimoji="1" lang="ja-JP" altLang="en-US" dirty="0" smtClean="0"/>
+              <a:t>・・・</a:t>
+            </a:r>
+            <a:endParaRPr kumimoji="1" lang="ja-JP" altLang="en-US" dirty="0"/>
+          </a:p>
+        </p:txBody>
+      </p:sp>
+    </p:spTree>
+    <p:extLst>
+      <p:ext uri="{BB962C8B-B14F-4D97-AF65-F5344CB8AC3E}">
+        <p14:creationId xmlns:p14="http://schemas.microsoft.com/office/powerpoint/2010/main" val="1414841554"/>
+      </p:ext>
+    </p:extLst>
+  </p:cSld>
+  <p:clrMapOvr>
+    <a:masterClrMapping/>
+  </p:clrMapOvr>
+</p:sld>
+</file>
+
+<file path=ppt/slides/slide8.xml><?xml version="1.0" encoding="utf-8"?>
+<p:sld xmlns:a="http://schemas.openxmlformats.org/drawingml/2006/main" xmlns:r="http://schemas.openxmlformats.org/officeDocument/2006/relationships" xmlns:p="http://schemas.openxmlformats.org/presentationml/2006/main">
+  <p:cSld>
+    <p:spTree>
+      <p:nvGrpSpPr>
+        <p:cNvPr id="1" name=""/>
+        <p:cNvGrpSpPr/>
+        <p:nvPr/>
+      </p:nvGrpSpPr>
+      <p:grpSpPr>
+        <a:xfrm>
+          <a:off x="0" y="0"/>
+          <a:ext cx="0" cy="0"/>
+          <a:chOff x="0" y="0"/>
+          <a:chExt cx="0" cy="0"/>
+        </a:xfrm>
+      </p:grpSpPr>
+      <p:sp>
+        <p:nvSpPr>
+          <p:cNvPr id="2" name="テキスト プレースホルダー 1"/>
+          <p:cNvSpPr>
+            <a:spLocks noGrp="1"/>
+          </p:cNvSpPr>
+          <p:nvPr>
+            <p:ph type="body" sz="quarter" idx="10"/>
+          </p:nvPr>
+        </p:nvSpPr>
+        <p:spPr/>
+        <p:txBody>
+          <a:bodyPr/>
+          <a:lstStyle/>
+          <a:p>
+            <a:r>
+              <a:rPr kumimoji="1" lang="ja-JP" altLang="en-US" dirty="0" smtClean="0"/>
+              <a:t>計算機の仕組み</a:t>
+            </a:r>
+            <a:endParaRPr kumimoji="1" lang="ja-JP" altLang="en-US" dirty="0"/>
+          </a:p>
+        </p:txBody>
+      </p:sp>
+      <p:sp>
+        <p:nvSpPr>
+          <p:cNvPr id="3" name="テキスト ボックス 2"/>
+          <p:cNvSpPr txBox="1"/>
+          <p:nvPr/>
+        </p:nvSpPr>
+        <p:spPr>
+          <a:xfrm>
+            <a:off x="827584" y="1124744"/>
+            <a:ext cx="7571303" cy="1077218"/>
+          </a:xfrm>
+          <a:prstGeom prst="rect">
+            <a:avLst/>
+          </a:prstGeom>
+          <a:noFill/>
+        </p:spPr>
+        <p:txBody>
+          <a:bodyPr wrap="none" rtlCol="0">
+            <a:spAutoFit/>
+          </a:bodyPr>
+          <a:lstStyle/>
+          <a:p>
+            <a:r>
+              <a:rPr lang="ja-JP" altLang="en-US" sz="3200" dirty="0" smtClean="0"/>
+              <a:t>数値計算では、主に</a:t>
+            </a:r>
+            <a:r>
+              <a:rPr lang="ja-JP" altLang="en-US" sz="3200" dirty="0" smtClean="0">
+                <a:solidFill>
+                  <a:srgbClr val="011893"/>
+                </a:solidFill>
+              </a:rPr>
+              <a:t>倍精度実数</a:t>
+            </a:r>
+            <a:r>
+              <a:rPr lang="ja-JP" altLang="en-US" sz="3200" dirty="0" smtClean="0"/>
+              <a:t>を用いる</a:t>
+            </a:r>
+            <a:endParaRPr lang="en-US" altLang="ja-JP" sz="3200" dirty="0" smtClean="0"/>
+          </a:p>
+          <a:p>
+            <a:r>
+              <a:rPr lang="ja-JP" altLang="en-US" sz="3200" dirty="0" smtClean="0"/>
+              <a:t>倍精度実数は</a:t>
+            </a:r>
+            <a:r>
+              <a:rPr lang="en-US" altLang="ja-JP" sz="3200" dirty="0" smtClean="0">
+                <a:solidFill>
+                  <a:srgbClr val="011893"/>
+                </a:solidFill>
+              </a:rPr>
+              <a:t>64</a:t>
+            </a:r>
+            <a:r>
+              <a:rPr lang="ja-JP" altLang="en-US" sz="3200" dirty="0" smtClean="0">
+                <a:solidFill>
+                  <a:srgbClr val="011893"/>
+                </a:solidFill>
+              </a:rPr>
+              <a:t>ビット</a:t>
+            </a:r>
+            <a:r>
+              <a:rPr lang="ja-JP" altLang="en-US" sz="3200" dirty="0" smtClean="0"/>
+              <a:t>で表現される</a:t>
+            </a:r>
+            <a:endParaRPr lang="en-US" altLang="ja-JP" sz="3200" dirty="0" smtClean="0"/>
+          </a:p>
+        </p:txBody>
+      </p:sp>
+      <p:grpSp>
+        <p:nvGrpSpPr>
+          <p:cNvPr id="6" name="グループ化 5"/>
+          <p:cNvGrpSpPr/>
+          <p:nvPr/>
+        </p:nvGrpSpPr>
+        <p:grpSpPr>
+          <a:xfrm>
+            <a:off x="1333613" y="2943965"/>
+            <a:ext cx="2583690" cy="1800200"/>
+            <a:chOff x="971600" y="2924944"/>
+            <a:chExt cx="2583690" cy="1800200"/>
+          </a:xfrm>
+        </p:grpSpPr>
+        <p:pic>
+          <p:nvPicPr>
+            <p:cNvPr id="4" name="Picture 2" descr="樹脂パレットのイラスト（荷台）"/>
+            <p:cNvPicPr>
+              <a:picLocks noChangeAspect="1" noChangeArrowheads="1"/>
+            </p:cNvPicPr>
+            <p:nvPr/>
+          </p:nvPicPr>
+          <p:blipFill>
+            <a:blip r:embed="rId2">
+              <a:extLst>
+                <a:ext uri="{28A0092B-C50C-407E-A947-70E740481C1C}">
+                  <a14:useLocalDpi xmlns:a14="http://schemas.microsoft.com/office/drawing/2010/main" val="0"/>
+                </a:ext>
+              </a:extLst>
+            </a:blip>
+            <a:srcRect/>
+            <a:stretch>
+              <a:fillRect/>
+            </a:stretch>
+          </p:blipFill>
+          <p:spPr bwMode="auto">
+            <a:xfrm>
+              <a:off x="971600" y="2924944"/>
+              <a:ext cx="1719594" cy="1440160"/>
+            </a:xfrm>
+            <a:prstGeom prst="rect">
+              <a:avLst/>
+            </a:prstGeom>
+            <a:noFill/>
+            <a:extLst>
+              <a:ext uri="{909E8E84-426E-40DD-AFC4-6F175D3DCCD1}">
+                <a14:hiddenFill xmlns:a14="http://schemas.microsoft.com/office/drawing/2010/main">
+                  <a:solidFill>
+                    <a:srgbClr val="FFFFFF"/>
+                  </a:solidFill>
+                </a14:hiddenFill>
+              </a:ext>
+            </a:extLst>
+          </p:spPr>
+        </p:pic>
+        <p:pic>
+          <p:nvPicPr>
+            <p:cNvPr id="5" name="Picture 2" descr="樹脂パレットのイラスト（荷台）"/>
+            <p:cNvPicPr>
+              <a:picLocks noChangeAspect="1" noChangeArrowheads="1"/>
+            </p:cNvPicPr>
+            <p:nvPr/>
+          </p:nvPicPr>
+          <p:blipFill>
+            <a:blip r:embed="rId2">
+              <a:extLst>
+                <a:ext uri="{28A0092B-C50C-407E-A947-70E740481C1C}">
+                  <a14:useLocalDpi xmlns:a14="http://schemas.microsoft.com/office/drawing/2010/main" val="0"/>
+                </a:ext>
+              </a:extLst>
+            </a:blip>
+            <a:srcRect/>
+            <a:stretch>
+              <a:fillRect/>
+            </a:stretch>
+          </p:blipFill>
+          <p:spPr bwMode="auto">
+            <a:xfrm>
+              <a:off x="1835696" y="3284984"/>
+              <a:ext cx="1719594" cy="1440160"/>
+            </a:xfrm>
+            <a:prstGeom prst="rect">
+              <a:avLst/>
+            </a:prstGeom>
+            <a:noFill/>
+            <a:extLst>
+              <a:ext uri="{909E8E84-426E-40DD-AFC4-6F175D3DCCD1}">
+                <a14:hiddenFill xmlns:a14="http://schemas.microsoft.com/office/drawing/2010/main">
+                  <a:solidFill>
+                    <a:srgbClr val="FFFFFF"/>
+                  </a:solidFill>
+                </a14:hiddenFill>
+              </a:ext>
+            </a:extLst>
+          </p:spPr>
+        </p:pic>
+      </p:grpSp>
+      <p:sp>
+        <p:nvSpPr>
+          <p:cNvPr id="7" name="テキスト ボックス 6"/>
+          <p:cNvSpPr txBox="1"/>
+          <p:nvPr/>
+        </p:nvSpPr>
+        <p:spPr>
+          <a:xfrm>
+            <a:off x="613533" y="2583925"/>
+            <a:ext cx="4185761" cy="461665"/>
+          </a:xfrm>
+          <a:prstGeom prst="rect">
+            <a:avLst/>
+          </a:prstGeom>
+          <a:noFill/>
+        </p:spPr>
+        <p:txBody>
+          <a:bodyPr wrap="none" rtlCol="0">
+            <a:spAutoFit/>
+          </a:bodyPr>
+          <a:lstStyle/>
+          <a:p>
+            <a:r>
+              <a:rPr kumimoji="1" lang="en-US" altLang="ja-JP" sz="2400" dirty="0" smtClean="0"/>
+              <a:t>64</a:t>
+            </a:r>
+            <a:r>
+              <a:rPr kumimoji="1" lang="ja-JP" altLang="en-US" sz="2400" dirty="0" smtClean="0"/>
+              <a:t>ビット</a:t>
+            </a:r>
+            <a:r>
+              <a:rPr lang="ja-JP" altLang="en-US" sz="2400" dirty="0" smtClean="0"/>
+              <a:t>浮動</a:t>
+            </a:r>
+            <a:r>
+              <a:rPr lang="ja-JP" altLang="en-US" sz="2400" dirty="0"/>
+              <a:t>小</a:t>
+            </a:r>
+            <a:r>
+              <a:rPr lang="ja-JP" altLang="en-US" sz="2400" dirty="0" smtClean="0"/>
+              <a:t>数</a:t>
+            </a:r>
+            <a:r>
+              <a:rPr lang="ja-JP" altLang="en-US" sz="2400" dirty="0"/>
+              <a:t>点</a:t>
+            </a:r>
+            <a:r>
+              <a:rPr kumimoji="1" lang="ja-JP" altLang="en-US" sz="2400" dirty="0" smtClean="0"/>
+              <a:t>レジスタ</a:t>
+            </a:r>
+            <a:endParaRPr kumimoji="1" lang="ja-JP" altLang="en-US" sz="2400" dirty="0"/>
+          </a:p>
+        </p:txBody>
+      </p:sp>
+      <p:pic>
+        <p:nvPicPr>
+          <p:cNvPr id="3074" name="Picture 2" descr="段ボール箱のイラスト（閉じた状態）"/>
+          <p:cNvPicPr>
+            <a:picLocks noChangeAspect="1" noChangeArrowheads="1"/>
+          </p:cNvPicPr>
+          <p:nvPr/>
+        </p:nvPicPr>
+        <p:blipFill>
+          <a:blip r:embed="rId3">
+            <a:extLst>
+              <a:ext uri="{28A0092B-C50C-407E-A947-70E740481C1C}">
+                <a14:useLocalDpi xmlns:a14="http://schemas.microsoft.com/office/drawing/2010/main" val="0"/>
+              </a:ext>
+            </a:extLst>
+          </a:blip>
+          <a:srcRect/>
+          <a:stretch>
+            <a:fillRect/>
+          </a:stretch>
+        </p:blipFill>
+        <p:spPr bwMode="auto">
+          <a:xfrm>
+            <a:off x="5942125" y="3015973"/>
+            <a:ext cx="1968153" cy="1781179"/>
+          </a:xfrm>
+          <a:prstGeom prst="rect">
+            <a:avLst/>
+          </a:prstGeom>
+          <a:noFill/>
+          <a:extLst>
+            <a:ext uri="{909E8E84-426E-40DD-AFC4-6F175D3DCCD1}">
+              <a14:hiddenFill xmlns:a14="http://schemas.microsoft.com/office/drawing/2010/main">
+                <a:solidFill>
+                  <a:srgbClr val="FFFFFF"/>
+                </a:solidFill>
+              </a14:hiddenFill>
+            </a:ext>
+          </a:extLst>
+        </p:spPr>
+      </p:pic>
+      <p:sp>
+        <p:nvSpPr>
+          <p:cNvPr id="9" name="テキスト ボックス 8"/>
+          <p:cNvSpPr txBox="1"/>
+          <p:nvPr/>
+        </p:nvSpPr>
+        <p:spPr>
+          <a:xfrm>
+            <a:off x="5582085" y="2554308"/>
+            <a:ext cx="3238387" cy="461665"/>
+          </a:xfrm>
+          <a:prstGeom prst="rect">
+            <a:avLst/>
+          </a:prstGeom>
+          <a:noFill/>
+        </p:spPr>
+        <p:txBody>
+          <a:bodyPr wrap="none" rtlCol="0">
+            <a:spAutoFit/>
+          </a:bodyPr>
+          <a:lstStyle/>
+          <a:p>
+            <a:r>
+              <a:rPr lang="ja-JP" altLang="en-US" sz="2400" dirty="0" smtClean="0"/>
+              <a:t>倍精度実数 </a:t>
+            </a:r>
+            <a:r>
+              <a:rPr lang="en-US" altLang="ja-JP" sz="2400" dirty="0" smtClean="0"/>
+              <a:t>(64</a:t>
+            </a:r>
+            <a:r>
+              <a:rPr lang="ja-JP" altLang="en-US" sz="2400" dirty="0" smtClean="0"/>
+              <a:t>ビット</a:t>
+            </a:r>
+            <a:r>
+              <a:rPr lang="en-US" altLang="ja-JP" sz="2400" dirty="0" smtClean="0"/>
+              <a:t>)</a:t>
+            </a:r>
+            <a:endParaRPr kumimoji="1" lang="ja-JP" altLang="en-US" sz="2400" dirty="0"/>
+          </a:p>
+        </p:txBody>
+      </p:sp>
+      <p:sp>
+        <p:nvSpPr>
+          <p:cNvPr id="8" name="左矢印 7"/>
+          <p:cNvSpPr/>
+          <p:nvPr/>
+        </p:nvSpPr>
+        <p:spPr>
+          <a:xfrm>
+            <a:off x="4429957" y="3664045"/>
+            <a:ext cx="1152128" cy="576064"/>
+          </a:xfrm>
+          <a:prstGeom prst="leftArrow">
+            <a:avLst/>
+          </a:prstGeom>
+          <a:solidFill>
+            <a:srgbClr val="FF0000"/>
+          </a:solidFill>
+          <a:ln>
+            <a:solidFill>
+              <a:schemeClr val="tx1"/>
+            </a:solidFill>
+          </a:ln>
+        </p:spPr>
+        <p:style>
+          <a:lnRef idx="2">
+            <a:schemeClr val="accent1">
+              <a:shade val="50000"/>
+            </a:schemeClr>
+          </a:lnRef>
+          <a:fillRef idx="1">
+            <a:schemeClr val="accent1"/>
+          </a:fillRef>
+          <a:effectRef idx="0">
+            <a:schemeClr val="accent1"/>
+          </a:effectRef>
+          <a:fontRef idx="minor">
+            <a:schemeClr val="lt1"/>
+          </a:fontRef>
+        </p:style>
+        <p:txBody>
+          <a:bodyPr rtlCol="0" anchor="ctr"/>
+          <a:lstStyle/>
+          <a:p>
+            <a:pPr algn="ctr"/>
+            <a:endParaRPr kumimoji="1" lang="ja-JP" altLang="en-US"/>
+          </a:p>
+        </p:txBody>
+      </p:sp>
+      <p:sp>
+        <p:nvSpPr>
+          <p:cNvPr id="10" name="テキスト ボックス 9"/>
+          <p:cNvSpPr txBox="1"/>
+          <p:nvPr/>
+        </p:nvSpPr>
+        <p:spPr>
+          <a:xfrm>
+            <a:off x="4357949" y="3294713"/>
+            <a:ext cx="1338828" cy="369332"/>
+          </a:xfrm>
+          <a:prstGeom prst="rect">
+            <a:avLst/>
+          </a:prstGeom>
+          <a:noFill/>
+        </p:spPr>
+        <p:txBody>
+          <a:bodyPr wrap="none" rtlCol="0">
+            <a:spAutoFit/>
+          </a:bodyPr>
+          <a:lstStyle/>
+          <a:p>
+            <a:r>
+              <a:rPr kumimoji="1" lang="ja-JP" altLang="en-US" dirty="0" smtClean="0"/>
+              <a:t>ひとつ乗る</a:t>
+            </a:r>
+            <a:endParaRPr kumimoji="1" lang="ja-JP" altLang="en-US" dirty="0"/>
+          </a:p>
+        </p:txBody>
+      </p:sp>
+      <p:sp>
+        <p:nvSpPr>
+          <p:cNvPr id="11" name="テキスト ボックス 10"/>
+          <p:cNvSpPr txBox="1"/>
+          <p:nvPr/>
+        </p:nvSpPr>
+        <p:spPr>
+          <a:xfrm>
+            <a:off x="122717" y="4797152"/>
+            <a:ext cx="9001000" cy="830997"/>
+          </a:xfrm>
+          <a:prstGeom prst="rect">
+            <a:avLst/>
+          </a:prstGeom>
+          <a:noFill/>
+        </p:spPr>
+        <p:txBody>
+          <a:bodyPr wrap="square" rtlCol="0">
+            <a:spAutoFit/>
+          </a:bodyPr>
+          <a:lstStyle/>
+          <a:p>
+            <a:r>
+              <a:rPr lang="ja-JP" altLang="en-US" sz="2400" dirty="0" smtClean="0"/>
+              <a:t>数値計算に用いる</a:t>
+            </a:r>
+            <a:r>
+              <a:rPr lang="en-US" altLang="ja-JP" sz="2400" dirty="0" smtClean="0"/>
+              <a:t>CPU</a:t>
+            </a:r>
+            <a:r>
+              <a:rPr lang="ja-JP" altLang="en-US" sz="2400" dirty="0" smtClean="0"/>
+              <a:t>の多くは</a:t>
+            </a:r>
+            <a:r>
+              <a:rPr kumimoji="1" lang="en-US" altLang="ja-JP" sz="2400" dirty="0" smtClean="0">
+                <a:solidFill>
+                  <a:srgbClr val="011893"/>
+                </a:solidFill>
+              </a:rPr>
+              <a:t>64</a:t>
+            </a:r>
+            <a:r>
+              <a:rPr kumimoji="1" lang="ja-JP" altLang="en-US" sz="2400" dirty="0" smtClean="0">
+                <a:solidFill>
+                  <a:srgbClr val="011893"/>
+                </a:solidFill>
+              </a:rPr>
+              <a:t>ビット整数レジスタ</a:t>
+            </a:r>
+            <a:r>
+              <a:rPr kumimoji="1" lang="ja-JP" altLang="en-US" sz="2400" dirty="0" smtClean="0"/>
+              <a:t>と</a:t>
+            </a:r>
+            <a:endParaRPr kumimoji="1" lang="en-US" altLang="ja-JP" sz="2400" dirty="0" smtClean="0"/>
+          </a:p>
+          <a:p>
+            <a:r>
+              <a:rPr kumimoji="1" lang="en-US" altLang="ja-JP" sz="2400" dirty="0" smtClean="0">
+                <a:solidFill>
+                  <a:srgbClr val="011893"/>
+                </a:solidFill>
+              </a:rPr>
+              <a:t>64</a:t>
+            </a:r>
+            <a:r>
+              <a:rPr kumimoji="1" lang="ja-JP" altLang="en-US" sz="2400" dirty="0" smtClean="0">
+                <a:solidFill>
+                  <a:srgbClr val="011893"/>
+                </a:solidFill>
+              </a:rPr>
+              <a:t>ビット浮動小数点レジスタ</a:t>
+            </a:r>
+            <a:r>
+              <a:rPr kumimoji="1" lang="ja-JP" altLang="en-US" sz="2400" dirty="0" smtClean="0"/>
+              <a:t>を持つ</a:t>
+            </a:r>
+            <a:endParaRPr kumimoji="1" lang="ja-JP" altLang="en-US" sz="2400" dirty="0"/>
+          </a:p>
+        </p:txBody>
+      </p:sp>
+      <p:sp>
+        <p:nvSpPr>
+          <p:cNvPr id="13" name="テキスト ボックス 12"/>
+          <p:cNvSpPr txBox="1"/>
+          <p:nvPr/>
+        </p:nvSpPr>
+        <p:spPr>
+          <a:xfrm>
+            <a:off x="107504" y="5805264"/>
+            <a:ext cx="8640960" cy="864096"/>
+          </a:xfrm>
+          <a:prstGeom prst="rect">
+            <a:avLst/>
+          </a:prstGeom>
+          <a:noFill/>
+        </p:spPr>
+        <p:txBody>
+          <a:bodyPr wrap="square" rtlCol="0">
+            <a:spAutoFit/>
+          </a:bodyPr>
+          <a:lstStyle/>
+          <a:p>
+            <a:r>
+              <a:rPr lang="ja-JP" altLang="en-US" sz="2400" dirty="0" smtClean="0"/>
+              <a:t>ただし、</a:t>
+            </a:r>
+            <a:r>
+              <a:rPr lang="en-US" altLang="ja-JP" sz="2400" dirty="0" smtClean="0"/>
+              <a:t>x86</a:t>
+            </a:r>
+            <a:r>
+              <a:rPr lang="ja-JP" altLang="en-US" sz="2400" dirty="0" smtClean="0"/>
+              <a:t>系の</a:t>
+            </a:r>
+            <a:r>
+              <a:rPr lang="en-US" altLang="ja-JP" sz="2400" dirty="0" smtClean="0"/>
+              <a:t>CPU</a:t>
+            </a:r>
+            <a:r>
+              <a:rPr lang="ja-JP" altLang="en-US" sz="2400" dirty="0" smtClean="0"/>
+              <a:t>は歴史的事情により</a:t>
+            </a:r>
+            <a:r>
+              <a:rPr lang="en-US" altLang="ja-JP" sz="2400" dirty="0" smtClean="0"/>
+              <a:t>64</a:t>
+            </a:r>
+            <a:r>
+              <a:rPr lang="ja-JP" altLang="en-US" sz="2400" dirty="0" smtClean="0"/>
+              <a:t>ビット浮動小数点</a:t>
+            </a:r>
+            <a:r>
+              <a:rPr kumimoji="1" lang="ja-JP" altLang="en-US" sz="2400" dirty="0" smtClean="0"/>
+              <a:t>レジスタを持たず、</a:t>
+            </a:r>
+            <a:r>
+              <a:rPr kumimoji="1" lang="en-US" altLang="ja-JP" sz="2400" dirty="0" smtClean="0">
+                <a:solidFill>
+                  <a:srgbClr val="011893"/>
+                </a:solidFill>
+              </a:rPr>
+              <a:t>128</a:t>
+            </a:r>
+            <a:r>
+              <a:rPr kumimoji="1" lang="ja-JP" altLang="en-US" sz="2400" dirty="0" smtClean="0">
+                <a:solidFill>
+                  <a:srgbClr val="011893"/>
+                </a:solidFill>
+              </a:rPr>
+              <a:t>ビット</a:t>
+            </a:r>
+            <a:r>
+              <a:rPr kumimoji="1" lang="en-US" altLang="ja-JP" sz="2400" dirty="0" smtClean="0">
+                <a:solidFill>
+                  <a:srgbClr val="011893"/>
+                </a:solidFill>
+              </a:rPr>
+              <a:t>SIMD</a:t>
+            </a:r>
+            <a:r>
+              <a:rPr kumimoji="1" lang="ja-JP" altLang="en-US" sz="2400" dirty="0" smtClean="0">
+                <a:solidFill>
+                  <a:srgbClr val="011893"/>
+                </a:solidFill>
+              </a:rPr>
+              <a:t>レジスタ</a:t>
+            </a:r>
+            <a:r>
+              <a:rPr kumimoji="1" lang="ja-JP" altLang="en-US" sz="2400" dirty="0" smtClean="0"/>
+              <a:t>を使う</a:t>
+            </a:r>
+            <a:endParaRPr kumimoji="1" lang="ja-JP" altLang="en-US" sz="2400" dirty="0"/>
+          </a:p>
+        </p:txBody>
+      </p:sp>
+    </p:spTree>
+    <p:extLst>
+      <p:ext uri="{BB962C8B-B14F-4D97-AF65-F5344CB8AC3E}">
+        <p14:creationId xmlns:p14="http://schemas.microsoft.com/office/powerpoint/2010/main" val="409214848"/>
+      </p:ext>
+    </p:extLst>
+  </p:cSld>
+  <p:clrMapOvr>
+    <a:masterClrMapping/>
+  </p:clrMapOvr>
+</p:sld>
+</file>
+
+<file path=ppt/slides/slide9.xml><?xml version="1.0" encoding="utf-8"?>
+<p:sld xmlns:a="http://schemas.openxmlformats.org/drawingml/2006/main" xmlns:r="http://schemas.openxmlformats.org/officeDocument/2006/relationships" xmlns:p="http://schemas.openxmlformats.org/presentationml/2006/main">
+  <p:cSld>
+    <p:spTree>
+      <p:nvGrpSpPr>
+        <p:cNvPr id="1" name=""/>
+        <p:cNvGrpSpPr/>
+        <p:nvPr/>
+      </p:nvGrpSpPr>
+      <p:grpSpPr>
+        <a:xfrm>
+          <a:off x="0" y="0"/>
+          <a:ext cx="0" cy="0"/>
+          <a:chOff x="0" y="0"/>
+          <a:chExt cx="0" cy="0"/>
+        </a:xfrm>
+      </p:grpSpPr>
+      <p:sp>
+        <p:nvSpPr>
+          <p:cNvPr id="2" name="テキスト プレースホルダー 1"/>
+          <p:cNvSpPr>
+            <a:spLocks noGrp="1"/>
+          </p:cNvSpPr>
+          <p:nvPr>
+            <p:ph type="body" sz="quarter" idx="10"/>
+          </p:nvPr>
+        </p:nvSpPr>
+        <p:spPr/>
+        <p:txBody>
+          <a:bodyPr/>
+          <a:lstStyle/>
+          <a:p>
+            <a:r>
+              <a:rPr lang="ja-JP" altLang="en-US" dirty="0" smtClean="0"/>
+              <a:t>パイプライン</a:t>
+            </a:r>
+            <a:r>
+              <a:rPr lang="ja-JP" altLang="en-US" dirty="0"/>
+              <a:t>処理</a:t>
+            </a:r>
+            <a:endParaRPr kumimoji="1" lang="ja-JP" altLang="en-US" dirty="0"/>
+          </a:p>
+        </p:txBody>
+      </p:sp>
+    </p:spTree>
+    <p:extLst>
+      <p:ext uri="{BB962C8B-B14F-4D97-AF65-F5344CB8AC3E}">
+        <p14:creationId xmlns:p14="http://schemas.microsoft.com/office/powerpoint/2010/main" val="2046873511"/>
+      </p:ext>
+    </p:extLst>
+  </p:cSld>
+  <p:clrMapOvr>
+    <a:masterClrMapping/>
+  </p:clrMapOvr>
 </p:sld>
 </file>
 
